--- a/figures/Chapter 4 - Introduction to Graph Theory/4.2 Graph Representations.pptx
+++ b/figures/Chapter 4 - Introduction to Graph Theory/4.2 Graph Representations.pptx
@@ -172,10 +172,9 @@
           </a:lstStyle>
           <a:p>
             <a:r>
-              <a:rPr lang="en-US" smtClean="0"/>
+              <a:rPr lang="en-US"/>
               <a:t>Click to edit Master title style</a:t>
             </a:r>
-            <a:endParaRPr lang="en-US"/>
           </a:p>
         </p:txBody>
       </p:sp>
@@ -237,10 +236,9 @@
           </a:lstStyle>
           <a:p>
             <a:r>
-              <a:rPr lang="en-US" smtClean="0"/>
+              <a:rPr lang="en-US"/>
               <a:t>Click to edit Master subtitle style</a:t>
             </a:r>
-            <a:endParaRPr lang="en-US"/>
           </a:p>
         </p:txBody>
       </p:sp>
@@ -261,7 +259,7 @@
           <a:p>
             <a:fld id="{BB7DCC67-5970-4D38-BCD6-A5FE23A66C8D}" type="datetimeFigureOut">
               <a:rPr lang="en-US" smtClean="0"/>
-              <a:t>8/23/16</a:t>
+              <a:t>5/8/18</a:t>
             </a:fld>
             <a:endParaRPr lang="en-US"/>
           </a:p>
@@ -355,10 +353,9 @@
           <a:lstStyle/>
           <a:p>
             <a:r>
-              <a:rPr lang="en-US" smtClean="0"/>
+              <a:rPr lang="en-US"/>
               <a:t>Click to edit Master title style</a:t>
             </a:r>
-            <a:endParaRPr lang="en-US"/>
           </a:p>
         </p:txBody>
       </p:sp>
@@ -379,38 +376,37 @@
           <a:p>
             <a:pPr lvl="0"/>
             <a:r>
-              <a:rPr lang="en-US" smtClean="0"/>
+              <a:rPr lang="en-US"/>
               <a:t>Click to edit Master text styles</a:t>
             </a:r>
           </a:p>
           <a:p>
             <a:pPr lvl="1"/>
             <a:r>
-              <a:rPr lang="en-US" smtClean="0"/>
+              <a:rPr lang="en-US"/>
               <a:t>Second level</a:t>
             </a:r>
           </a:p>
           <a:p>
             <a:pPr lvl="2"/>
             <a:r>
-              <a:rPr lang="en-US" smtClean="0"/>
+              <a:rPr lang="en-US"/>
               <a:t>Third level</a:t>
             </a:r>
           </a:p>
           <a:p>
             <a:pPr lvl="3"/>
             <a:r>
-              <a:rPr lang="en-US" smtClean="0"/>
+              <a:rPr lang="en-US"/>
               <a:t>Fourth level</a:t>
             </a:r>
           </a:p>
           <a:p>
             <a:pPr lvl="4"/>
             <a:r>
-              <a:rPr lang="en-US" smtClean="0"/>
+              <a:rPr lang="en-US"/>
               <a:t>Fifth level</a:t>
             </a:r>
-            <a:endParaRPr lang="en-US"/>
           </a:p>
         </p:txBody>
       </p:sp>
@@ -431,7 +427,7 @@
           <a:p>
             <a:fld id="{BB7DCC67-5970-4D38-BCD6-A5FE23A66C8D}" type="datetimeFigureOut">
               <a:rPr lang="en-US" smtClean="0"/>
-              <a:t>8/23/16</a:t>
+              <a:t>5/8/18</a:t>
             </a:fld>
             <a:endParaRPr lang="en-US"/>
           </a:p>
@@ -530,10 +526,9 @@
           <a:lstStyle/>
           <a:p>
             <a:r>
-              <a:rPr lang="en-US" smtClean="0"/>
+              <a:rPr lang="en-US"/>
               <a:t>Click to edit Master title style</a:t>
             </a:r>
-            <a:endParaRPr lang="en-US"/>
           </a:p>
         </p:txBody>
       </p:sp>
@@ -559,38 +554,37 @@
           <a:p>
             <a:pPr lvl="0"/>
             <a:r>
-              <a:rPr lang="en-US" smtClean="0"/>
+              <a:rPr lang="en-US"/>
               <a:t>Click to edit Master text styles</a:t>
             </a:r>
           </a:p>
           <a:p>
             <a:pPr lvl="1"/>
             <a:r>
-              <a:rPr lang="en-US" smtClean="0"/>
+              <a:rPr lang="en-US"/>
               <a:t>Second level</a:t>
             </a:r>
           </a:p>
           <a:p>
             <a:pPr lvl="2"/>
             <a:r>
-              <a:rPr lang="en-US" smtClean="0"/>
+              <a:rPr lang="en-US"/>
               <a:t>Third level</a:t>
             </a:r>
           </a:p>
           <a:p>
             <a:pPr lvl="3"/>
             <a:r>
-              <a:rPr lang="en-US" smtClean="0"/>
+              <a:rPr lang="en-US"/>
               <a:t>Fourth level</a:t>
             </a:r>
           </a:p>
           <a:p>
             <a:pPr lvl="4"/>
             <a:r>
-              <a:rPr lang="en-US" smtClean="0"/>
+              <a:rPr lang="en-US"/>
               <a:t>Fifth level</a:t>
             </a:r>
-            <a:endParaRPr lang="en-US"/>
           </a:p>
         </p:txBody>
       </p:sp>
@@ -611,7 +605,7 @@
           <a:p>
             <a:fld id="{BB7DCC67-5970-4D38-BCD6-A5FE23A66C8D}" type="datetimeFigureOut">
               <a:rPr lang="en-US" smtClean="0"/>
-              <a:t>8/23/16</a:t>
+              <a:t>5/8/18</a:t>
             </a:fld>
             <a:endParaRPr lang="en-US"/>
           </a:p>
@@ -705,10 +699,9 @@
           <a:lstStyle/>
           <a:p>
             <a:r>
-              <a:rPr lang="en-US" smtClean="0"/>
+              <a:rPr lang="en-US"/>
               <a:t>Click to edit Master title style</a:t>
             </a:r>
-            <a:endParaRPr lang="en-US"/>
           </a:p>
         </p:txBody>
       </p:sp>
@@ -729,38 +722,37 @@
           <a:p>
             <a:pPr lvl="0"/>
             <a:r>
-              <a:rPr lang="en-US" smtClean="0"/>
+              <a:rPr lang="en-US"/>
               <a:t>Click to edit Master text styles</a:t>
             </a:r>
           </a:p>
           <a:p>
             <a:pPr lvl="1"/>
             <a:r>
-              <a:rPr lang="en-US" smtClean="0"/>
+              <a:rPr lang="en-US"/>
               <a:t>Second level</a:t>
             </a:r>
           </a:p>
           <a:p>
             <a:pPr lvl="2"/>
             <a:r>
-              <a:rPr lang="en-US" smtClean="0"/>
+              <a:rPr lang="en-US"/>
               <a:t>Third level</a:t>
             </a:r>
           </a:p>
           <a:p>
             <a:pPr lvl="3"/>
             <a:r>
-              <a:rPr lang="en-US" smtClean="0"/>
+              <a:rPr lang="en-US"/>
               <a:t>Fourth level</a:t>
             </a:r>
           </a:p>
           <a:p>
             <a:pPr lvl="4"/>
             <a:r>
-              <a:rPr lang="en-US" smtClean="0"/>
+              <a:rPr lang="en-US"/>
               <a:t>Fifth level</a:t>
             </a:r>
-            <a:endParaRPr lang="en-US"/>
           </a:p>
         </p:txBody>
       </p:sp>
@@ -781,7 +773,7 @@
           <a:p>
             <a:fld id="{BB7DCC67-5970-4D38-BCD6-A5FE23A66C8D}" type="datetimeFigureOut">
               <a:rPr lang="en-US" smtClean="0"/>
-              <a:t>8/23/16</a:t>
+              <a:t>5/8/18</a:t>
             </a:fld>
             <a:endParaRPr lang="en-US"/>
           </a:p>
@@ -884,10 +876,9 @@
           </a:lstStyle>
           <a:p>
             <a:r>
-              <a:rPr lang="en-US" smtClean="0"/>
+              <a:rPr lang="en-US"/>
               <a:t>Click to edit Master title style</a:t>
             </a:r>
-            <a:endParaRPr lang="en-US"/>
           </a:p>
         </p:txBody>
       </p:sp>
@@ -1004,7 +995,7 @@
           <a:p>
             <a:pPr lvl="0"/>
             <a:r>
-              <a:rPr lang="en-US" smtClean="0"/>
+              <a:rPr lang="en-US"/>
               <a:t>Click to edit Master text styles</a:t>
             </a:r>
           </a:p>
@@ -1027,7 +1018,7 @@
           <a:p>
             <a:fld id="{BB7DCC67-5970-4D38-BCD6-A5FE23A66C8D}" type="datetimeFigureOut">
               <a:rPr lang="en-US" smtClean="0"/>
-              <a:t>8/23/16</a:t>
+              <a:t>5/8/18</a:t>
             </a:fld>
             <a:endParaRPr lang="en-US"/>
           </a:p>
@@ -1121,10 +1112,9 @@
           <a:lstStyle/>
           <a:p>
             <a:r>
-              <a:rPr lang="en-US" smtClean="0"/>
+              <a:rPr lang="en-US"/>
               <a:t>Click to edit Master title style</a:t>
             </a:r>
-            <a:endParaRPr lang="en-US"/>
           </a:p>
         </p:txBody>
       </p:sp>
@@ -1150,38 +1140,37 @@
           <a:p>
             <a:pPr lvl="0"/>
             <a:r>
-              <a:rPr lang="en-US" smtClean="0"/>
+              <a:rPr lang="en-US"/>
               <a:t>Click to edit Master text styles</a:t>
             </a:r>
           </a:p>
           <a:p>
             <a:pPr lvl="1"/>
             <a:r>
-              <a:rPr lang="en-US" smtClean="0"/>
+              <a:rPr lang="en-US"/>
               <a:t>Second level</a:t>
             </a:r>
           </a:p>
           <a:p>
             <a:pPr lvl="2"/>
             <a:r>
-              <a:rPr lang="en-US" smtClean="0"/>
+              <a:rPr lang="en-US"/>
               <a:t>Third level</a:t>
             </a:r>
           </a:p>
           <a:p>
             <a:pPr lvl="3"/>
             <a:r>
-              <a:rPr lang="en-US" smtClean="0"/>
+              <a:rPr lang="en-US"/>
               <a:t>Fourth level</a:t>
             </a:r>
           </a:p>
           <a:p>
             <a:pPr lvl="4"/>
             <a:r>
-              <a:rPr lang="en-US" smtClean="0"/>
+              <a:rPr lang="en-US"/>
               <a:t>Fifth level</a:t>
             </a:r>
-            <a:endParaRPr lang="en-US"/>
           </a:p>
         </p:txBody>
       </p:sp>
@@ -1207,38 +1196,37 @@
           <a:p>
             <a:pPr lvl="0"/>
             <a:r>
-              <a:rPr lang="en-US" smtClean="0"/>
+              <a:rPr lang="en-US"/>
               <a:t>Click to edit Master text styles</a:t>
             </a:r>
           </a:p>
           <a:p>
             <a:pPr lvl="1"/>
             <a:r>
-              <a:rPr lang="en-US" smtClean="0"/>
+              <a:rPr lang="en-US"/>
               <a:t>Second level</a:t>
             </a:r>
           </a:p>
           <a:p>
             <a:pPr lvl="2"/>
             <a:r>
-              <a:rPr lang="en-US" smtClean="0"/>
+              <a:rPr lang="en-US"/>
               <a:t>Third level</a:t>
             </a:r>
           </a:p>
           <a:p>
             <a:pPr lvl="3"/>
             <a:r>
-              <a:rPr lang="en-US" smtClean="0"/>
+              <a:rPr lang="en-US"/>
               <a:t>Fourth level</a:t>
             </a:r>
           </a:p>
           <a:p>
             <a:pPr lvl="4"/>
             <a:r>
-              <a:rPr lang="en-US" smtClean="0"/>
+              <a:rPr lang="en-US"/>
               <a:t>Fifth level</a:t>
             </a:r>
-            <a:endParaRPr lang="en-US"/>
           </a:p>
         </p:txBody>
       </p:sp>
@@ -1259,7 +1247,7 @@
           <a:p>
             <a:fld id="{BB7DCC67-5970-4D38-BCD6-A5FE23A66C8D}" type="datetimeFigureOut">
               <a:rPr lang="en-US" smtClean="0"/>
-              <a:t>8/23/16</a:t>
+              <a:t>5/8/18</a:t>
             </a:fld>
             <a:endParaRPr lang="en-US"/>
           </a:p>
@@ -1358,10 +1346,9 @@
           <a:lstStyle/>
           <a:p>
             <a:r>
-              <a:rPr lang="en-US" smtClean="0"/>
+              <a:rPr lang="en-US"/>
               <a:t>Click to edit Master title style</a:t>
             </a:r>
-            <a:endParaRPr lang="en-US"/>
           </a:p>
         </p:txBody>
       </p:sp>
@@ -1424,7 +1411,7 @@
           <a:p>
             <a:pPr lvl="0"/>
             <a:r>
-              <a:rPr lang="en-US" smtClean="0"/>
+              <a:rPr lang="en-US"/>
               <a:t>Click to edit Master text styles</a:t>
             </a:r>
           </a:p>
@@ -1452,38 +1439,37 @@
           <a:p>
             <a:pPr lvl="0"/>
             <a:r>
-              <a:rPr lang="en-US" smtClean="0"/>
+              <a:rPr lang="en-US"/>
               <a:t>Click to edit Master text styles</a:t>
             </a:r>
           </a:p>
           <a:p>
             <a:pPr lvl="1"/>
             <a:r>
-              <a:rPr lang="en-US" smtClean="0"/>
+              <a:rPr lang="en-US"/>
               <a:t>Second level</a:t>
             </a:r>
           </a:p>
           <a:p>
             <a:pPr lvl="2"/>
             <a:r>
-              <a:rPr lang="en-US" smtClean="0"/>
+              <a:rPr lang="en-US"/>
               <a:t>Third level</a:t>
             </a:r>
           </a:p>
           <a:p>
             <a:pPr lvl="3"/>
             <a:r>
-              <a:rPr lang="en-US" smtClean="0"/>
+              <a:rPr lang="en-US"/>
               <a:t>Fourth level</a:t>
             </a:r>
           </a:p>
           <a:p>
             <a:pPr lvl="4"/>
             <a:r>
-              <a:rPr lang="en-US" smtClean="0"/>
+              <a:rPr lang="en-US"/>
               <a:t>Fifth level</a:t>
             </a:r>
-            <a:endParaRPr lang="en-US"/>
           </a:p>
         </p:txBody>
       </p:sp>
@@ -1546,7 +1532,7 @@
           <a:p>
             <a:pPr lvl="0"/>
             <a:r>
-              <a:rPr lang="en-US" smtClean="0"/>
+              <a:rPr lang="en-US"/>
               <a:t>Click to edit Master text styles</a:t>
             </a:r>
           </a:p>
@@ -1574,38 +1560,37 @@
           <a:p>
             <a:pPr lvl="0"/>
             <a:r>
-              <a:rPr lang="en-US" smtClean="0"/>
+              <a:rPr lang="en-US"/>
               <a:t>Click to edit Master text styles</a:t>
             </a:r>
           </a:p>
           <a:p>
             <a:pPr lvl="1"/>
             <a:r>
-              <a:rPr lang="en-US" smtClean="0"/>
+              <a:rPr lang="en-US"/>
               <a:t>Second level</a:t>
             </a:r>
           </a:p>
           <a:p>
             <a:pPr lvl="2"/>
             <a:r>
-              <a:rPr lang="en-US" smtClean="0"/>
+              <a:rPr lang="en-US"/>
               <a:t>Third level</a:t>
             </a:r>
           </a:p>
           <a:p>
             <a:pPr lvl="3"/>
             <a:r>
-              <a:rPr lang="en-US" smtClean="0"/>
+              <a:rPr lang="en-US"/>
               <a:t>Fourth level</a:t>
             </a:r>
           </a:p>
           <a:p>
             <a:pPr lvl="4"/>
             <a:r>
-              <a:rPr lang="en-US" smtClean="0"/>
+              <a:rPr lang="en-US"/>
               <a:t>Fifth level</a:t>
             </a:r>
-            <a:endParaRPr lang="en-US"/>
           </a:p>
         </p:txBody>
       </p:sp>
@@ -1626,7 +1611,7 @@
           <a:p>
             <a:fld id="{BB7DCC67-5970-4D38-BCD6-A5FE23A66C8D}" type="datetimeFigureOut">
               <a:rPr lang="en-US" smtClean="0"/>
-              <a:t>8/23/16</a:t>
+              <a:t>5/8/18</a:t>
             </a:fld>
             <a:endParaRPr lang="en-US"/>
           </a:p>
@@ -1720,10 +1705,9 @@
           <a:lstStyle/>
           <a:p>
             <a:r>
-              <a:rPr lang="en-US" smtClean="0"/>
+              <a:rPr lang="en-US"/>
               <a:t>Click to edit Master title style</a:t>
             </a:r>
-            <a:endParaRPr lang="en-US"/>
           </a:p>
         </p:txBody>
       </p:sp>
@@ -1744,7 +1728,7 @@
           <a:p>
             <a:fld id="{BB7DCC67-5970-4D38-BCD6-A5FE23A66C8D}" type="datetimeFigureOut">
               <a:rPr lang="en-US" smtClean="0"/>
-              <a:t>8/23/16</a:t>
+              <a:t>5/8/18</a:t>
             </a:fld>
             <a:endParaRPr lang="en-US"/>
           </a:p>
@@ -1839,7 +1823,7 @@
           <a:p>
             <a:fld id="{BB7DCC67-5970-4D38-BCD6-A5FE23A66C8D}" type="datetimeFigureOut">
               <a:rPr lang="en-US" smtClean="0"/>
-              <a:t>8/23/16</a:t>
+              <a:t>5/8/18</a:t>
             </a:fld>
             <a:endParaRPr lang="en-US"/>
           </a:p>
@@ -1942,10 +1926,9 @@
           </a:lstStyle>
           <a:p>
             <a:r>
-              <a:rPr lang="en-US" smtClean="0"/>
+              <a:rPr lang="en-US"/>
               <a:t>Click to edit Master title style</a:t>
             </a:r>
-            <a:endParaRPr lang="en-US"/>
           </a:p>
         </p:txBody>
       </p:sp>
@@ -1999,38 +1982,37 @@
           <a:p>
             <a:pPr lvl="0"/>
             <a:r>
-              <a:rPr lang="en-US" smtClean="0"/>
+              <a:rPr lang="en-US"/>
               <a:t>Click to edit Master text styles</a:t>
             </a:r>
           </a:p>
           <a:p>
             <a:pPr lvl="1"/>
             <a:r>
-              <a:rPr lang="en-US" smtClean="0"/>
+              <a:rPr lang="en-US"/>
               <a:t>Second level</a:t>
             </a:r>
           </a:p>
           <a:p>
             <a:pPr lvl="2"/>
             <a:r>
-              <a:rPr lang="en-US" smtClean="0"/>
+              <a:rPr lang="en-US"/>
               <a:t>Third level</a:t>
             </a:r>
           </a:p>
           <a:p>
             <a:pPr lvl="3"/>
             <a:r>
-              <a:rPr lang="en-US" smtClean="0"/>
+              <a:rPr lang="en-US"/>
               <a:t>Fourth level</a:t>
             </a:r>
           </a:p>
           <a:p>
             <a:pPr lvl="4"/>
             <a:r>
-              <a:rPr lang="en-US" smtClean="0"/>
+              <a:rPr lang="en-US"/>
               <a:t>Fifth level</a:t>
             </a:r>
-            <a:endParaRPr lang="en-US"/>
           </a:p>
         </p:txBody>
       </p:sp>
@@ -2093,7 +2075,7 @@
           <a:p>
             <a:pPr lvl="0"/>
             <a:r>
-              <a:rPr lang="en-US" smtClean="0"/>
+              <a:rPr lang="en-US"/>
               <a:t>Click to edit Master text styles</a:t>
             </a:r>
           </a:p>
@@ -2116,7 +2098,7 @@
           <a:p>
             <a:fld id="{BB7DCC67-5970-4D38-BCD6-A5FE23A66C8D}" type="datetimeFigureOut">
               <a:rPr lang="en-US" smtClean="0"/>
-              <a:t>8/23/16</a:t>
+              <a:t>5/8/18</a:t>
             </a:fld>
             <a:endParaRPr lang="en-US"/>
           </a:p>
@@ -2219,10 +2201,9 @@
           </a:lstStyle>
           <a:p>
             <a:r>
-              <a:rPr lang="en-US" smtClean="0"/>
+              <a:rPr lang="en-US"/>
               <a:t>Click to edit Master title style</a:t>
             </a:r>
-            <a:endParaRPr lang="en-US"/>
           </a:p>
         </p:txBody>
       </p:sp>
@@ -2346,7 +2327,7 @@
           <a:p>
             <a:pPr lvl="0"/>
             <a:r>
-              <a:rPr lang="en-US" smtClean="0"/>
+              <a:rPr lang="en-US"/>
               <a:t>Click to edit Master text styles</a:t>
             </a:r>
           </a:p>
@@ -2369,7 +2350,7 @@
           <a:p>
             <a:fld id="{BB7DCC67-5970-4D38-BCD6-A5FE23A66C8D}" type="datetimeFigureOut">
               <a:rPr lang="en-US" smtClean="0"/>
-              <a:t>8/23/16</a:t>
+              <a:t>5/8/18</a:t>
             </a:fld>
             <a:endParaRPr lang="en-US"/>
           </a:p>
@@ -2478,10 +2459,9 @@
           <a:lstStyle/>
           <a:p>
             <a:r>
-              <a:rPr lang="en-US" smtClean="0"/>
+              <a:rPr lang="en-US"/>
               <a:t>Click to edit Master title style</a:t>
             </a:r>
-            <a:endParaRPr lang="en-US"/>
           </a:p>
         </p:txBody>
       </p:sp>
@@ -2512,38 +2492,37 @@
           <a:p>
             <a:pPr lvl="0"/>
             <a:r>
-              <a:rPr lang="en-US" smtClean="0"/>
+              <a:rPr lang="en-US"/>
               <a:t>Click to edit Master text styles</a:t>
             </a:r>
           </a:p>
           <a:p>
             <a:pPr lvl="1"/>
             <a:r>
-              <a:rPr lang="en-US" smtClean="0"/>
+              <a:rPr lang="en-US"/>
               <a:t>Second level</a:t>
             </a:r>
           </a:p>
           <a:p>
             <a:pPr lvl="2"/>
             <a:r>
-              <a:rPr lang="en-US" smtClean="0"/>
+              <a:rPr lang="en-US"/>
               <a:t>Third level</a:t>
             </a:r>
           </a:p>
           <a:p>
             <a:pPr lvl="3"/>
             <a:r>
-              <a:rPr lang="en-US" smtClean="0"/>
+              <a:rPr lang="en-US"/>
               <a:t>Fourth level</a:t>
             </a:r>
           </a:p>
           <a:p>
             <a:pPr lvl="4"/>
             <a:r>
-              <a:rPr lang="en-US" smtClean="0"/>
+              <a:rPr lang="en-US"/>
               <a:t>Fifth level</a:t>
             </a:r>
-            <a:endParaRPr lang="en-US"/>
           </a:p>
         </p:txBody>
       </p:sp>
@@ -2582,7 +2561,7 @@
           <a:p>
             <a:fld id="{BB7DCC67-5970-4D38-BCD6-A5FE23A66C8D}" type="datetimeFigureOut">
               <a:rPr lang="en-US" smtClean="0"/>
-              <a:t>8/23/16</a:t>
+              <a:t>5/8/18</a:t>
             </a:fld>
             <a:endParaRPr lang="en-US"/>
           </a:p>
@@ -3030,18 +3009,13 @@
           <a:p>
             <a:pPr algn="ctr"/>
             <a:r>
-              <a:rPr lang="en-US" sz="2800" dirty="0" smtClean="0">
+              <a:rPr lang="en-US" sz="2800" dirty="0">
                 <a:solidFill>
                   <a:schemeClr val="tx1"/>
                 </a:solidFill>
               </a:rPr>
               <a:t>1</a:t>
             </a:r>
-            <a:endParaRPr lang="en-US" sz="2800" dirty="0">
-              <a:solidFill>
-                <a:schemeClr val="tx1"/>
-              </a:solidFill>
-            </a:endParaRPr>
           </a:p>
         </p:txBody>
       </p:sp>
@@ -3088,18 +3062,13 @@
           <a:p>
             <a:pPr algn="ctr"/>
             <a:r>
-              <a:rPr lang="en-US" sz="2800" dirty="0" smtClean="0">
+              <a:rPr lang="en-US" sz="2800" dirty="0">
                 <a:solidFill>
                   <a:schemeClr val="tx1"/>
                 </a:solidFill>
               </a:rPr>
               <a:t>2</a:t>
             </a:r>
-            <a:endParaRPr lang="en-US" sz="2800" dirty="0">
-              <a:solidFill>
-                <a:schemeClr val="tx1"/>
-              </a:solidFill>
-            </a:endParaRPr>
           </a:p>
         </p:txBody>
       </p:sp>
@@ -3146,18 +3115,13 @@
           <a:p>
             <a:pPr algn="ctr"/>
             <a:r>
-              <a:rPr lang="en-US" sz="2800" dirty="0" smtClean="0">
+              <a:rPr lang="en-US" sz="2800" dirty="0">
                 <a:solidFill>
                   <a:schemeClr val="tx1"/>
                 </a:solidFill>
               </a:rPr>
               <a:t>3</a:t>
             </a:r>
-            <a:endParaRPr lang="en-US" sz="2800" dirty="0">
-              <a:solidFill>
-                <a:schemeClr val="tx1"/>
-              </a:solidFill>
-            </a:endParaRPr>
           </a:p>
         </p:txBody>
       </p:sp>
@@ -3204,18 +3168,13 @@
           <a:p>
             <a:pPr algn="ctr"/>
             <a:r>
-              <a:rPr lang="en-US" sz="2800" dirty="0" smtClean="0">
+              <a:rPr lang="en-US" sz="2800" dirty="0">
                 <a:solidFill>
                   <a:schemeClr val="tx1"/>
                 </a:solidFill>
               </a:rPr>
               <a:t>4</a:t>
             </a:r>
-            <a:endParaRPr lang="en-US" sz="2800" dirty="0">
-              <a:solidFill>
-                <a:schemeClr val="tx1"/>
-              </a:solidFill>
-            </a:endParaRPr>
           </a:p>
         </p:txBody>
       </p:sp>
@@ -3664,18 +3623,13 @@
           <a:p>
             <a:pPr algn="ctr"/>
             <a:r>
-              <a:rPr lang="en-US" sz="2800" dirty="0" smtClean="0">
+              <a:rPr lang="en-US" sz="2800" dirty="0">
                 <a:solidFill>
                   <a:schemeClr val="tx1"/>
                 </a:solidFill>
               </a:rPr>
               <a:t>1</a:t>
             </a:r>
-            <a:endParaRPr lang="en-US" sz="2800" dirty="0">
-              <a:solidFill>
-                <a:schemeClr val="tx1"/>
-              </a:solidFill>
-            </a:endParaRPr>
           </a:p>
         </p:txBody>
       </p:sp>
@@ -3722,18 +3676,13 @@
           <a:p>
             <a:pPr algn="ctr"/>
             <a:r>
-              <a:rPr lang="en-US" sz="2800" dirty="0" smtClean="0">
+              <a:rPr lang="en-US" sz="2800" dirty="0">
                 <a:solidFill>
                   <a:schemeClr val="tx1"/>
                 </a:solidFill>
               </a:rPr>
               <a:t>2</a:t>
             </a:r>
-            <a:endParaRPr lang="en-US" sz="2800" dirty="0">
-              <a:solidFill>
-                <a:schemeClr val="tx1"/>
-              </a:solidFill>
-            </a:endParaRPr>
           </a:p>
         </p:txBody>
       </p:sp>
@@ -3780,18 +3729,13 @@
           <a:p>
             <a:pPr algn="ctr"/>
             <a:r>
-              <a:rPr lang="en-US" sz="2800" dirty="0" smtClean="0">
+              <a:rPr lang="en-US" sz="2800" dirty="0">
                 <a:solidFill>
                   <a:schemeClr val="tx1"/>
                 </a:solidFill>
               </a:rPr>
               <a:t>3</a:t>
             </a:r>
-            <a:endParaRPr lang="en-US" sz="2800" dirty="0">
-              <a:solidFill>
-                <a:schemeClr val="tx1"/>
-              </a:solidFill>
-            </a:endParaRPr>
           </a:p>
         </p:txBody>
       </p:sp>
@@ -3838,18 +3782,13 @@
           <a:p>
             <a:pPr algn="ctr"/>
             <a:r>
-              <a:rPr lang="en-US" sz="2800" dirty="0" smtClean="0">
+              <a:rPr lang="en-US" sz="2800" dirty="0">
                 <a:solidFill>
                   <a:schemeClr val="tx1"/>
                 </a:solidFill>
               </a:rPr>
               <a:t>4</a:t>
             </a:r>
-            <a:endParaRPr lang="en-US" sz="2800" dirty="0">
-              <a:solidFill>
-                <a:schemeClr val="tx1"/>
-              </a:solidFill>
-            </a:endParaRPr>
           </a:p>
         </p:txBody>
       </p:sp>
@@ -4009,7 +3948,7 @@
           <p:nvPr>
             <p:extLst>
               <p:ext uri="{D42A27DB-BD31-4B8C-83A1-F6EECF244321}">
-                <p14:modId xmlns:p14="http://schemas.microsoft.com/office/powerpoint/2010/main" val="48910958"/>
+                <p14:modId xmlns:p14="http://schemas.microsoft.com/office/powerpoint/2010/main" val="1279236535"/>
               </p:ext>
             </p:extLst>
           </p:nvPr>
@@ -4025,13 +3964,55 @@
                 <a:tableStyleId>{5C22544A-7EE6-4342-B048-85BDC9FD1C3A}</a:tableStyleId>
               </a:tblPr>
               <a:tblGrid>
-                <a:gridCol w="431074"/>
-                <a:gridCol w="431074"/>
-                <a:gridCol w="431074"/>
-                <a:gridCol w="431074"/>
-                <a:gridCol w="431074"/>
-                <a:gridCol w="431074"/>
-                <a:gridCol w="431074"/>
+                <a:gridCol w="431074">
+                  <a:extLst>
+                    <a:ext uri="{9D8B030D-6E8A-4147-A177-3AD203B41FA5}">
+                      <a16:colId xmlns:a16="http://schemas.microsoft.com/office/drawing/2014/main" val="20000"/>
+                    </a:ext>
+                  </a:extLst>
+                </a:gridCol>
+                <a:gridCol w="431074">
+                  <a:extLst>
+                    <a:ext uri="{9D8B030D-6E8A-4147-A177-3AD203B41FA5}">
+                      <a16:colId xmlns:a16="http://schemas.microsoft.com/office/drawing/2014/main" val="20001"/>
+                    </a:ext>
+                  </a:extLst>
+                </a:gridCol>
+                <a:gridCol w="431074">
+                  <a:extLst>
+                    <a:ext uri="{9D8B030D-6E8A-4147-A177-3AD203B41FA5}">
+                      <a16:colId xmlns:a16="http://schemas.microsoft.com/office/drawing/2014/main" val="20002"/>
+                    </a:ext>
+                  </a:extLst>
+                </a:gridCol>
+                <a:gridCol w="431074">
+                  <a:extLst>
+                    <a:ext uri="{9D8B030D-6E8A-4147-A177-3AD203B41FA5}">
+                      <a16:colId xmlns:a16="http://schemas.microsoft.com/office/drawing/2014/main" val="20003"/>
+                    </a:ext>
+                  </a:extLst>
+                </a:gridCol>
+                <a:gridCol w="431074">
+                  <a:extLst>
+                    <a:ext uri="{9D8B030D-6E8A-4147-A177-3AD203B41FA5}">
+                      <a16:colId xmlns:a16="http://schemas.microsoft.com/office/drawing/2014/main" val="20004"/>
+                    </a:ext>
+                  </a:extLst>
+                </a:gridCol>
+                <a:gridCol w="431074">
+                  <a:extLst>
+                    <a:ext uri="{9D8B030D-6E8A-4147-A177-3AD203B41FA5}">
+                      <a16:colId xmlns:a16="http://schemas.microsoft.com/office/drawing/2014/main" val="20005"/>
+                    </a:ext>
+                  </a:extLst>
+                </a:gridCol>
+                <a:gridCol w="431074">
+                  <a:extLst>
+                    <a:ext uri="{9D8B030D-6E8A-4147-A177-3AD203B41FA5}">
+                      <a16:colId xmlns:a16="http://schemas.microsoft.com/office/drawing/2014/main" val="20006"/>
+                    </a:ext>
+                  </a:extLst>
+                </a:gridCol>
               </a:tblGrid>
               <a:tr h="370840">
                 <a:tc>
@@ -4052,10 +4033,9 @@
                     <a:p>
                       <a:pPr algn="ctr"/>
                       <a:r>
-                        <a:rPr lang="en-US" dirty="0" smtClean="0"/>
+                        <a:rPr lang="en-US" dirty="0"/>
                         <a:t>0</a:t>
                       </a:r>
-                      <a:endParaRPr lang="en-US" dirty="0"/>
                     </a:p>
                   </a:txBody>
                   <a:tcPr/>
@@ -4067,10 +4047,9 @@
                     <a:p>
                       <a:pPr algn="ctr"/>
                       <a:r>
-                        <a:rPr lang="en-US" dirty="0" smtClean="0"/>
+                        <a:rPr lang="en-US" dirty="0"/>
                         <a:t>1</a:t>
                       </a:r>
-                      <a:endParaRPr lang="en-US" dirty="0"/>
                     </a:p>
                   </a:txBody>
                   <a:tcPr/>
@@ -4082,10 +4061,9 @@
                     <a:p>
                       <a:pPr algn="ctr"/>
                       <a:r>
-                        <a:rPr lang="en-US" dirty="0" smtClean="0"/>
+                        <a:rPr lang="en-US" dirty="0"/>
                         <a:t>2</a:t>
                       </a:r>
-                      <a:endParaRPr lang="en-US" dirty="0"/>
                     </a:p>
                   </a:txBody>
                   <a:tcPr/>
@@ -4097,10 +4075,9 @@
                     <a:p>
                       <a:pPr algn="ctr"/>
                       <a:r>
-                        <a:rPr lang="en-US" dirty="0" smtClean="0"/>
+                        <a:rPr lang="en-US" dirty="0"/>
                         <a:t>3</a:t>
                       </a:r>
-                      <a:endParaRPr lang="en-US" dirty="0"/>
                     </a:p>
                   </a:txBody>
                   <a:tcPr/>
@@ -4112,10 +4089,9 @@
                     <a:p>
                       <a:pPr algn="ctr"/>
                       <a:r>
-                        <a:rPr lang="en-US" dirty="0" smtClean="0"/>
+                        <a:rPr lang="en-US" dirty="0"/>
                         <a:t>4</a:t>
                       </a:r>
-                      <a:endParaRPr lang="en-US" dirty="0"/>
                     </a:p>
                   </a:txBody>
                   <a:tcPr/>
@@ -4127,14 +4103,18 @@
                     <a:p>
                       <a:pPr algn="ctr"/>
                       <a:r>
-                        <a:rPr lang="en-US" dirty="0" smtClean="0"/>
+                        <a:rPr lang="en-US" dirty="0"/>
                         <a:t>5</a:t>
                       </a:r>
-                      <a:endParaRPr lang="en-US" dirty="0"/>
                     </a:p>
                   </a:txBody>
                   <a:tcPr/>
                 </a:tc>
+                <a:extLst>
+                  <a:ext uri="{0D108BD9-81ED-4DB2-BD59-A6C34878D82A}">
+                    <a16:rowId xmlns:a16="http://schemas.microsoft.com/office/drawing/2014/main" val="10000"/>
+                  </a:ext>
+                </a:extLst>
               </a:tr>
               <a:tr h="370840">
                 <a:tc>
@@ -4144,10 +4124,9 @@
                     <a:p>
                       <a:pPr algn="ctr"/>
                       <a:r>
-                        <a:rPr lang="en-US" dirty="0" smtClean="0"/>
+                        <a:rPr lang="en-US" dirty="0"/>
                         <a:t>0</a:t>
                       </a:r>
-                      <a:endParaRPr lang="en-US" dirty="0"/>
                     </a:p>
                   </a:txBody>
                   <a:tcPr/>
@@ -4159,10 +4138,9 @@
                     <a:p>
                       <a:pPr algn="ctr"/>
                       <a:r>
-                        <a:rPr lang="en-US" dirty="0" smtClean="0"/>
+                        <a:rPr lang="en-US" dirty="0"/>
                         <a:t>0</a:t>
                       </a:r>
-                      <a:endParaRPr lang="en-US" dirty="0"/>
                     </a:p>
                   </a:txBody>
                   <a:tcPr/>
@@ -4174,18 +4152,13 @@
                     <a:p>
                       <a:pPr algn="ctr"/>
                       <a:r>
-                        <a:rPr lang="en-US" dirty="0" smtClean="0">
+                        <a:rPr lang="en-US" dirty="0">
                           <a:solidFill>
                             <a:srgbClr val="FF0000"/>
                           </a:solidFill>
                         </a:rPr>
                         <a:t>1</a:t>
                       </a:r>
-                      <a:endParaRPr lang="en-US" dirty="0">
-                        <a:solidFill>
-                          <a:srgbClr val="FF0000"/>
-                        </a:solidFill>
-                      </a:endParaRPr>
                     </a:p>
                   </a:txBody>
                   <a:tcPr/>
@@ -4197,18 +4170,13 @@
                     <a:p>
                       <a:pPr algn="ctr"/>
                       <a:r>
-                        <a:rPr lang="en-US" dirty="0" smtClean="0">
+                        <a:rPr lang="en-US" dirty="0">
                           <a:solidFill>
                             <a:srgbClr val="FF0000"/>
                           </a:solidFill>
                         </a:rPr>
                         <a:t>1</a:t>
                       </a:r>
-                      <a:endParaRPr lang="en-US" dirty="0">
-                        <a:solidFill>
-                          <a:srgbClr val="FF0000"/>
-                        </a:solidFill>
-                      </a:endParaRPr>
                     </a:p>
                   </a:txBody>
                   <a:tcPr/>
@@ -4220,18 +4188,13 @@
                     <a:p>
                       <a:pPr algn="ctr"/>
                       <a:r>
-                        <a:rPr lang="en-US" dirty="0" smtClean="0">
+                        <a:rPr lang="en-US" dirty="0">
                           <a:solidFill>
                             <a:srgbClr val="FF0000"/>
                           </a:solidFill>
                         </a:rPr>
                         <a:t>1</a:t>
                       </a:r>
-                      <a:endParaRPr lang="en-US" dirty="0">
-                        <a:solidFill>
-                          <a:srgbClr val="FF0000"/>
-                        </a:solidFill>
-                      </a:endParaRPr>
                     </a:p>
                   </a:txBody>
                   <a:tcPr/>
@@ -4243,10 +4206,9 @@
                     <a:p>
                       <a:pPr algn="ctr"/>
                       <a:r>
-                        <a:rPr lang="en-US" dirty="0" smtClean="0"/>
+                        <a:rPr lang="en-US" dirty="0"/>
                         <a:t>0</a:t>
                       </a:r>
-                      <a:endParaRPr lang="en-US" dirty="0"/>
                     </a:p>
                   </a:txBody>
                   <a:tcPr/>
@@ -4258,14 +4220,18 @@
                     <a:p>
                       <a:pPr algn="ctr"/>
                       <a:r>
-                        <a:rPr lang="en-US" dirty="0" smtClean="0"/>
+                        <a:rPr lang="en-US" dirty="0"/>
                         <a:t>0</a:t>
                       </a:r>
-                      <a:endParaRPr lang="en-US" dirty="0"/>
                     </a:p>
                   </a:txBody>
                   <a:tcPr/>
                 </a:tc>
+                <a:extLst>
+                  <a:ext uri="{0D108BD9-81ED-4DB2-BD59-A6C34878D82A}">
+                    <a16:rowId xmlns:a16="http://schemas.microsoft.com/office/drawing/2014/main" val="10001"/>
+                  </a:ext>
+                </a:extLst>
               </a:tr>
               <a:tr h="370840">
                 <a:tc>
@@ -4275,10 +4241,9 @@
                     <a:p>
                       <a:pPr algn="ctr"/>
                       <a:r>
-                        <a:rPr lang="en-US" dirty="0" smtClean="0"/>
+                        <a:rPr lang="en-US" dirty="0"/>
                         <a:t>1</a:t>
                       </a:r>
-                      <a:endParaRPr lang="en-US" dirty="0"/>
                     </a:p>
                   </a:txBody>
                   <a:tcPr/>
@@ -4290,10 +4255,9 @@
                     <a:p>
                       <a:pPr algn="ctr"/>
                       <a:r>
-                        <a:rPr lang="en-US" dirty="0" smtClean="0"/>
+                        <a:rPr lang="en-US" dirty="0"/>
                         <a:t>0</a:t>
                       </a:r>
-                      <a:endParaRPr lang="en-US" dirty="0"/>
                     </a:p>
                   </a:txBody>
                   <a:tcPr/>
@@ -4305,10 +4269,9 @@
                     <a:p>
                       <a:pPr algn="ctr"/>
                       <a:r>
-                        <a:rPr lang="en-US" dirty="0" smtClean="0"/>
+                        <a:rPr lang="en-US" dirty="0"/>
                         <a:t>0</a:t>
                       </a:r>
-                      <a:endParaRPr lang="en-US" dirty="0"/>
                     </a:p>
                   </a:txBody>
                   <a:tcPr/>
@@ -4320,10 +4283,9 @@
                     <a:p>
                       <a:pPr algn="ctr"/>
                       <a:r>
-                        <a:rPr lang="en-US" dirty="0" smtClean="0"/>
+                        <a:rPr lang="en-US" dirty="0"/>
                         <a:t>0</a:t>
                       </a:r>
-                      <a:endParaRPr lang="en-US" dirty="0"/>
                     </a:p>
                   </a:txBody>
                   <a:tcPr/>
@@ -4335,10 +4297,9 @@
                     <a:p>
                       <a:pPr algn="ctr"/>
                       <a:r>
-                        <a:rPr lang="en-US" dirty="0" smtClean="0"/>
+                        <a:rPr lang="en-US" dirty="0"/>
                         <a:t>0</a:t>
                       </a:r>
-                      <a:endParaRPr lang="en-US" dirty="0"/>
                     </a:p>
                   </a:txBody>
                   <a:tcPr/>
@@ -4350,10 +4311,9 @@
                     <a:p>
                       <a:pPr algn="ctr"/>
                       <a:r>
-                        <a:rPr lang="en-US" dirty="0" smtClean="0"/>
+                        <a:rPr lang="en-US" dirty="0"/>
                         <a:t>0</a:t>
                       </a:r>
-                      <a:endParaRPr lang="en-US" dirty="0"/>
                     </a:p>
                   </a:txBody>
                   <a:tcPr/>
@@ -4365,14 +4325,18 @@
                     <a:p>
                       <a:pPr algn="ctr"/>
                       <a:r>
-                        <a:rPr lang="en-US" dirty="0" smtClean="0"/>
+                        <a:rPr lang="en-US" dirty="0"/>
                         <a:t>0</a:t>
                       </a:r>
-                      <a:endParaRPr lang="en-US" dirty="0"/>
                     </a:p>
                   </a:txBody>
                   <a:tcPr/>
                 </a:tc>
+                <a:extLst>
+                  <a:ext uri="{0D108BD9-81ED-4DB2-BD59-A6C34878D82A}">
+                    <a16:rowId xmlns:a16="http://schemas.microsoft.com/office/drawing/2014/main" val="10002"/>
+                  </a:ext>
+                </a:extLst>
               </a:tr>
               <a:tr h="370840">
                 <a:tc>
@@ -4382,10 +4346,9 @@
                     <a:p>
                       <a:pPr algn="ctr"/>
                       <a:r>
-                        <a:rPr lang="en-US" dirty="0" smtClean="0"/>
+                        <a:rPr lang="en-US" dirty="0"/>
                         <a:t>2</a:t>
                       </a:r>
-                      <a:endParaRPr lang="en-US" dirty="0"/>
                     </a:p>
                   </a:txBody>
                   <a:tcPr/>
@@ -4397,10 +4360,9 @@
                     <a:p>
                       <a:pPr algn="ctr"/>
                       <a:r>
-                        <a:rPr lang="en-US" dirty="0" smtClean="0"/>
+                        <a:rPr lang="en-US" dirty="0"/>
                         <a:t>0</a:t>
                       </a:r>
-                      <a:endParaRPr lang="en-US" dirty="0"/>
                     </a:p>
                   </a:txBody>
                   <a:tcPr/>
@@ -4412,10 +4374,9 @@
                     <a:p>
                       <a:pPr algn="ctr"/>
                       <a:r>
-                        <a:rPr lang="en-US" dirty="0" smtClean="0"/>
+                        <a:rPr lang="en-US" dirty="0"/>
                         <a:t>0</a:t>
                       </a:r>
-                      <a:endParaRPr lang="en-US" dirty="0"/>
                     </a:p>
                   </a:txBody>
                   <a:tcPr/>
@@ -4427,10 +4388,9 @@
                     <a:p>
                       <a:pPr algn="ctr"/>
                       <a:r>
-                        <a:rPr lang="en-US" dirty="0" smtClean="0"/>
+                        <a:rPr lang="en-US" dirty="0"/>
                         <a:t>0</a:t>
                       </a:r>
-                      <a:endParaRPr lang="en-US" dirty="0"/>
                     </a:p>
                   </a:txBody>
                   <a:tcPr/>
@@ -4442,10 +4402,9 @@
                     <a:p>
                       <a:pPr algn="ctr"/>
                       <a:r>
-                        <a:rPr lang="en-US" dirty="0" smtClean="0"/>
+                        <a:rPr lang="en-US" dirty="0"/>
                         <a:t>0</a:t>
                       </a:r>
-                      <a:endParaRPr lang="en-US" dirty="0"/>
                     </a:p>
                   </a:txBody>
                   <a:tcPr/>
@@ -4457,18 +4416,13 @@
                     <a:p>
                       <a:pPr algn="ctr"/>
                       <a:r>
-                        <a:rPr lang="en-US" dirty="0" smtClean="0">
+                        <a:rPr lang="en-US" dirty="0">
                           <a:solidFill>
                             <a:srgbClr val="FF0000"/>
                           </a:solidFill>
                         </a:rPr>
                         <a:t>1</a:t>
                       </a:r>
-                      <a:endParaRPr lang="en-US" dirty="0">
-                        <a:solidFill>
-                          <a:srgbClr val="FF0000"/>
-                        </a:solidFill>
-                      </a:endParaRPr>
                     </a:p>
                   </a:txBody>
                   <a:tcPr/>
@@ -4480,22 +4434,22 @@
                     <a:p>
                       <a:pPr algn="ctr"/>
                       <a:r>
-                        <a:rPr lang="en-US" dirty="0" smtClean="0">
+                        <a:rPr lang="en-US" dirty="0">
                           <a:solidFill>
                             <a:srgbClr val="FF0000"/>
                           </a:solidFill>
                         </a:rPr>
                         <a:t>1</a:t>
                       </a:r>
-                      <a:endParaRPr lang="en-US" dirty="0">
-                        <a:solidFill>
-                          <a:srgbClr val="FF0000"/>
-                        </a:solidFill>
-                      </a:endParaRPr>
                     </a:p>
                   </a:txBody>
                   <a:tcPr/>
                 </a:tc>
+                <a:extLst>
+                  <a:ext uri="{0D108BD9-81ED-4DB2-BD59-A6C34878D82A}">
+                    <a16:rowId xmlns:a16="http://schemas.microsoft.com/office/drawing/2014/main" val="10003"/>
+                  </a:ext>
+                </a:extLst>
               </a:tr>
               <a:tr h="370840">
                 <a:tc>
@@ -4505,10 +4459,9 @@
                     <a:p>
                       <a:pPr algn="ctr"/>
                       <a:r>
-                        <a:rPr lang="en-US" dirty="0" smtClean="0"/>
+                        <a:rPr lang="en-US" dirty="0"/>
                         <a:t>3</a:t>
                       </a:r>
-                      <a:endParaRPr lang="en-US" dirty="0"/>
                     </a:p>
                   </a:txBody>
                   <a:tcPr/>
@@ -4520,10 +4473,9 @@
                     <a:p>
                       <a:pPr algn="ctr"/>
                       <a:r>
-                        <a:rPr lang="en-US" dirty="0" smtClean="0"/>
+                        <a:rPr lang="en-US" dirty="0"/>
                         <a:t>0</a:t>
                       </a:r>
-                      <a:endParaRPr lang="en-US" dirty="0"/>
                     </a:p>
                   </a:txBody>
                   <a:tcPr/>
@@ -4535,10 +4487,9 @@
                     <a:p>
                       <a:pPr algn="ctr"/>
                       <a:r>
-                        <a:rPr lang="en-US" dirty="0" smtClean="0"/>
+                        <a:rPr lang="en-US" dirty="0"/>
                         <a:t>0</a:t>
                       </a:r>
-                      <a:endParaRPr lang="en-US" dirty="0"/>
                     </a:p>
                   </a:txBody>
                   <a:tcPr/>
@@ -4550,10 +4501,9 @@
                     <a:p>
                       <a:pPr algn="ctr"/>
                       <a:r>
-                        <a:rPr lang="en-US" dirty="0" smtClean="0"/>
+                        <a:rPr lang="en-US" dirty="0"/>
                         <a:t>0</a:t>
                       </a:r>
-                      <a:endParaRPr lang="en-US" dirty="0"/>
                     </a:p>
                   </a:txBody>
                   <a:tcPr/>
@@ -4565,10 +4515,9 @@
                     <a:p>
                       <a:pPr algn="ctr"/>
                       <a:r>
-                        <a:rPr lang="en-US" dirty="0" smtClean="0"/>
+                        <a:rPr lang="en-US" dirty="0"/>
                         <a:t>0</a:t>
                       </a:r>
-                      <a:endParaRPr lang="en-US" dirty="0"/>
                     </a:p>
                   </a:txBody>
                   <a:tcPr/>
@@ -4580,10 +4529,9 @@
                     <a:p>
                       <a:pPr algn="ctr"/>
                       <a:r>
-                        <a:rPr lang="en-US" dirty="0" smtClean="0"/>
+                        <a:rPr lang="en-US" dirty="0"/>
                         <a:t>0</a:t>
                       </a:r>
-                      <a:endParaRPr lang="en-US" dirty="0"/>
                     </a:p>
                   </a:txBody>
                   <a:tcPr/>
@@ -4595,14 +4543,18 @@
                     <a:p>
                       <a:pPr algn="ctr"/>
                       <a:r>
-                        <a:rPr lang="en-US" dirty="0" smtClean="0"/>
+                        <a:rPr lang="en-US" dirty="0"/>
                         <a:t>0</a:t>
                       </a:r>
-                      <a:endParaRPr lang="en-US" dirty="0"/>
                     </a:p>
                   </a:txBody>
                   <a:tcPr/>
                 </a:tc>
+                <a:extLst>
+                  <a:ext uri="{0D108BD9-81ED-4DB2-BD59-A6C34878D82A}">
+                    <a16:rowId xmlns:a16="http://schemas.microsoft.com/office/drawing/2014/main" val="10004"/>
+                  </a:ext>
+                </a:extLst>
               </a:tr>
               <a:tr h="370840">
                 <a:tc>
@@ -4612,10 +4564,9 @@
                     <a:p>
                       <a:pPr algn="ctr"/>
                       <a:r>
-                        <a:rPr lang="en-US" dirty="0" smtClean="0"/>
+                        <a:rPr lang="en-US" dirty="0"/>
                         <a:t>4</a:t>
                       </a:r>
-                      <a:endParaRPr lang="en-US" dirty="0"/>
                     </a:p>
                   </a:txBody>
                   <a:tcPr/>
@@ -4627,10 +4578,9 @@
                     <a:p>
                       <a:pPr algn="ctr"/>
                       <a:r>
-                        <a:rPr lang="en-US" dirty="0" smtClean="0"/>
+                        <a:rPr lang="en-US" dirty="0"/>
                         <a:t>0</a:t>
                       </a:r>
-                      <a:endParaRPr lang="en-US" dirty="0"/>
                     </a:p>
                   </a:txBody>
                   <a:tcPr/>
@@ -4642,10 +4592,9 @@
                     <a:p>
                       <a:pPr algn="ctr"/>
                       <a:r>
-                        <a:rPr lang="en-US" dirty="0" smtClean="0"/>
+                        <a:rPr lang="en-US" dirty="0"/>
                         <a:t>0</a:t>
                       </a:r>
-                      <a:endParaRPr lang="en-US" dirty="0"/>
                     </a:p>
                   </a:txBody>
                   <a:tcPr/>
@@ -4657,10 +4606,9 @@
                     <a:p>
                       <a:pPr algn="ctr"/>
                       <a:r>
-                        <a:rPr lang="en-US" dirty="0" smtClean="0"/>
+                        <a:rPr lang="en-US" dirty="0"/>
                         <a:t>0</a:t>
                       </a:r>
-                      <a:endParaRPr lang="en-US" dirty="0"/>
                     </a:p>
                   </a:txBody>
                   <a:tcPr/>
@@ -4672,10 +4620,9 @@
                     <a:p>
                       <a:pPr algn="ctr"/>
                       <a:r>
-                        <a:rPr lang="en-US" dirty="0" smtClean="0"/>
+                        <a:rPr lang="en-US" dirty="0"/>
                         <a:t>0</a:t>
                       </a:r>
-                      <a:endParaRPr lang="en-US" dirty="0"/>
                     </a:p>
                   </a:txBody>
                   <a:tcPr/>
@@ -4687,10 +4634,9 @@
                     <a:p>
                       <a:pPr algn="ctr"/>
                       <a:r>
-                        <a:rPr lang="en-US" dirty="0" smtClean="0"/>
+                        <a:rPr lang="en-US" dirty="0"/>
                         <a:t>0</a:t>
                       </a:r>
-                      <a:endParaRPr lang="en-US" dirty="0"/>
                     </a:p>
                   </a:txBody>
                   <a:tcPr/>
@@ -4702,14 +4648,18 @@
                     <a:p>
                       <a:pPr algn="ctr"/>
                       <a:r>
-                        <a:rPr lang="en-US" dirty="0" smtClean="0"/>
+                        <a:rPr lang="en-US" dirty="0"/>
                         <a:t>0</a:t>
                       </a:r>
-                      <a:endParaRPr lang="en-US" dirty="0"/>
                     </a:p>
                   </a:txBody>
                   <a:tcPr/>
                 </a:tc>
+                <a:extLst>
+                  <a:ext uri="{0D108BD9-81ED-4DB2-BD59-A6C34878D82A}">
+                    <a16:rowId xmlns:a16="http://schemas.microsoft.com/office/drawing/2014/main" val="10005"/>
+                  </a:ext>
+                </a:extLst>
               </a:tr>
               <a:tr h="370840">
                 <a:tc>
@@ -4719,10 +4669,9 @@
                     <a:p>
                       <a:pPr algn="ctr"/>
                       <a:r>
-                        <a:rPr lang="en-US" dirty="0" smtClean="0"/>
+                        <a:rPr lang="en-US" dirty="0"/>
                         <a:t>5</a:t>
                       </a:r>
-                      <a:endParaRPr lang="en-US" dirty="0"/>
                     </a:p>
                   </a:txBody>
                   <a:tcPr/>
@@ -4734,10 +4683,9 @@
                     <a:p>
                       <a:pPr algn="ctr"/>
                       <a:r>
-                        <a:rPr lang="en-US" dirty="0" smtClean="0"/>
+                        <a:rPr lang="en-US" dirty="0"/>
                         <a:t>0</a:t>
                       </a:r>
-                      <a:endParaRPr lang="en-US" dirty="0"/>
                     </a:p>
                   </a:txBody>
                   <a:tcPr/>
@@ -4749,10 +4697,9 @@
                     <a:p>
                       <a:pPr algn="ctr"/>
                       <a:r>
-                        <a:rPr lang="en-US" dirty="0" smtClean="0"/>
+                        <a:rPr lang="en-US" dirty="0"/>
                         <a:t>0</a:t>
                       </a:r>
-                      <a:endParaRPr lang="en-US" dirty="0"/>
                     </a:p>
                   </a:txBody>
                   <a:tcPr/>
@@ -4764,10 +4711,9 @@
                     <a:p>
                       <a:pPr algn="ctr"/>
                       <a:r>
-                        <a:rPr lang="en-US" dirty="0" smtClean="0"/>
+                        <a:rPr lang="en-US" dirty="0"/>
                         <a:t>0</a:t>
                       </a:r>
-                      <a:endParaRPr lang="en-US" dirty="0"/>
                     </a:p>
                   </a:txBody>
                   <a:tcPr/>
@@ -4779,10 +4725,9 @@
                     <a:p>
                       <a:pPr algn="ctr"/>
                       <a:r>
-                        <a:rPr lang="en-US" dirty="0" smtClean="0"/>
+                        <a:rPr lang="en-US" dirty="0"/>
                         <a:t>0</a:t>
                       </a:r>
-                      <a:endParaRPr lang="en-US" dirty="0"/>
                     </a:p>
                   </a:txBody>
                   <a:tcPr/>
@@ -4794,10 +4739,9 @@
                     <a:p>
                       <a:pPr algn="ctr"/>
                       <a:r>
-                        <a:rPr lang="en-US" dirty="0" smtClean="0"/>
+                        <a:rPr lang="en-US" dirty="0"/>
                         <a:t>0</a:t>
                       </a:r>
-                      <a:endParaRPr lang="en-US" dirty="0"/>
                     </a:p>
                   </a:txBody>
                   <a:tcPr/>
@@ -4809,14 +4753,18 @@
                     <a:p>
                       <a:pPr algn="ctr"/>
                       <a:r>
-                        <a:rPr lang="en-US" dirty="0" smtClean="0"/>
+                        <a:rPr lang="en-US" dirty="0"/>
                         <a:t>0</a:t>
                       </a:r>
-                      <a:endParaRPr lang="en-US" dirty="0"/>
                     </a:p>
                   </a:txBody>
                   <a:tcPr/>
                 </a:tc>
+                <a:extLst>
+                  <a:ext uri="{0D108BD9-81ED-4DB2-BD59-A6C34878D82A}">
+                    <a16:rowId xmlns:a16="http://schemas.microsoft.com/office/drawing/2014/main" val="10006"/>
+                  </a:ext>
+                </a:extLst>
               </a:tr>
             </a:tbl>
           </a:graphicData>
@@ -4865,18 +4813,13 @@
           <a:p>
             <a:pPr algn="ctr"/>
             <a:r>
-              <a:rPr lang="en-US" sz="2800" dirty="0" smtClean="0">
+              <a:rPr lang="en-US" sz="2800" dirty="0">
                 <a:solidFill>
                   <a:schemeClr val="tx1"/>
                 </a:solidFill>
               </a:rPr>
               <a:t>0</a:t>
             </a:r>
-            <a:endParaRPr lang="en-US" sz="2800" dirty="0">
-              <a:solidFill>
-                <a:schemeClr val="tx1"/>
-              </a:solidFill>
-            </a:endParaRPr>
           </a:p>
         </p:txBody>
       </p:sp>
@@ -4923,18 +4866,13 @@
           <a:p>
             <a:pPr algn="ctr"/>
             <a:r>
-              <a:rPr lang="en-US" sz="2800" dirty="0" smtClean="0">
+              <a:rPr lang="en-US" sz="2800" dirty="0">
                 <a:solidFill>
                   <a:schemeClr val="tx1"/>
                 </a:solidFill>
               </a:rPr>
               <a:t>1</a:t>
             </a:r>
-            <a:endParaRPr lang="en-US" sz="2800" dirty="0">
-              <a:solidFill>
-                <a:schemeClr val="tx1"/>
-              </a:solidFill>
-            </a:endParaRPr>
           </a:p>
         </p:txBody>
       </p:sp>
@@ -4981,18 +4919,13 @@
           <a:p>
             <a:pPr algn="ctr"/>
             <a:r>
-              <a:rPr lang="en-US" sz="2800" dirty="0" smtClean="0">
+              <a:rPr lang="en-US" sz="2800" dirty="0">
                 <a:solidFill>
                   <a:schemeClr val="tx1"/>
                 </a:solidFill>
               </a:rPr>
               <a:t>2</a:t>
             </a:r>
-            <a:endParaRPr lang="en-US" sz="2800" dirty="0">
-              <a:solidFill>
-                <a:schemeClr val="tx1"/>
-              </a:solidFill>
-            </a:endParaRPr>
           </a:p>
         </p:txBody>
       </p:sp>
@@ -5039,18 +4972,13 @@
           <a:p>
             <a:pPr algn="ctr"/>
             <a:r>
-              <a:rPr lang="en-US" sz="2800" dirty="0" smtClean="0">
+              <a:rPr lang="en-US" sz="2800" dirty="0">
                 <a:solidFill>
                   <a:schemeClr val="tx1"/>
                 </a:solidFill>
               </a:rPr>
               <a:t>3</a:t>
             </a:r>
-            <a:endParaRPr lang="en-US" sz="2800" dirty="0">
-              <a:solidFill>
-                <a:schemeClr val="tx1"/>
-              </a:solidFill>
-            </a:endParaRPr>
           </a:p>
         </p:txBody>
       </p:sp>
@@ -5394,7 +5322,7 @@
           <p:nvPr>
             <p:extLst>
               <p:ext uri="{D42A27DB-BD31-4B8C-83A1-F6EECF244321}">
-                <p14:modId xmlns:p14="http://schemas.microsoft.com/office/powerpoint/2010/main" val="864057754"/>
+                <p14:modId xmlns:p14="http://schemas.microsoft.com/office/powerpoint/2010/main" val="3926632331"/>
               </p:ext>
             </p:extLst>
           </p:nvPr>
@@ -5410,13 +5338,55 @@
                 <a:tableStyleId>{5C22544A-7EE6-4342-B048-85BDC9FD1C3A}</a:tableStyleId>
               </a:tblPr>
               <a:tblGrid>
-                <a:gridCol w="772031"/>
-                <a:gridCol w="772031"/>
-                <a:gridCol w="772031"/>
-                <a:gridCol w="772031"/>
-                <a:gridCol w="772031"/>
-                <a:gridCol w="772031"/>
-                <a:gridCol w="772031"/>
+                <a:gridCol w="772031">
+                  <a:extLst>
+                    <a:ext uri="{9D8B030D-6E8A-4147-A177-3AD203B41FA5}">
+                      <a16:colId xmlns:a16="http://schemas.microsoft.com/office/drawing/2014/main" val="20000"/>
+                    </a:ext>
+                  </a:extLst>
+                </a:gridCol>
+                <a:gridCol w="772031">
+                  <a:extLst>
+                    <a:ext uri="{9D8B030D-6E8A-4147-A177-3AD203B41FA5}">
+                      <a16:colId xmlns:a16="http://schemas.microsoft.com/office/drawing/2014/main" val="20001"/>
+                    </a:ext>
+                  </a:extLst>
+                </a:gridCol>
+                <a:gridCol w="772031">
+                  <a:extLst>
+                    <a:ext uri="{9D8B030D-6E8A-4147-A177-3AD203B41FA5}">
+                      <a16:colId xmlns:a16="http://schemas.microsoft.com/office/drawing/2014/main" val="20002"/>
+                    </a:ext>
+                  </a:extLst>
+                </a:gridCol>
+                <a:gridCol w="772031">
+                  <a:extLst>
+                    <a:ext uri="{9D8B030D-6E8A-4147-A177-3AD203B41FA5}">
+                      <a16:colId xmlns:a16="http://schemas.microsoft.com/office/drawing/2014/main" val="20003"/>
+                    </a:ext>
+                  </a:extLst>
+                </a:gridCol>
+                <a:gridCol w="772031">
+                  <a:extLst>
+                    <a:ext uri="{9D8B030D-6E8A-4147-A177-3AD203B41FA5}">
+                      <a16:colId xmlns:a16="http://schemas.microsoft.com/office/drawing/2014/main" val="20004"/>
+                    </a:ext>
+                  </a:extLst>
+                </a:gridCol>
+                <a:gridCol w="772031">
+                  <a:extLst>
+                    <a:ext uri="{9D8B030D-6E8A-4147-A177-3AD203B41FA5}">
+                      <a16:colId xmlns:a16="http://schemas.microsoft.com/office/drawing/2014/main" val="20005"/>
+                    </a:ext>
+                  </a:extLst>
+                </a:gridCol>
+                <a:gridCol w="772031">
+                  <a:extLst>
+                    <a:ext uri="{9D8B030D-6E8A-4147-A177-3AD203B41FA5}">
+                      <a16:colId xmlns:a16="http://schemas.microsoft.com/office/drawing/2014/main" val="20006"/>
+                    </a:ext>
+                  </a:extLst>
+                </a:gridCol>
               </a:tblGrid>
               <a:tr h="172959">
                 <a:tc>
@@ -5437,10 +5407,9 @@
                     <a:p>
                       <a:pPr algn="ctr"/>
                       <a:r>
-                        <a:rPr lang="en-US" dirty="0" smtClean="0"/>
+                        <a:rPr lang="en-US" dirty="0"/>
                         <a:t>0</a:t>
                       </a:r>
-                      <a:endParaRPr lang="en-US" dirty="0"/>
                     </a:p>
                   </a:txBody>
                   <a:tcPr/>
@@ -5452,10 +5421,9 @@
                     <a:p>
                       <a:pPr algn="ctr"/>
                       <a:r>
-                        <a:rPr lang="en-US" dirty="0" smtClean="0"/>
+                        <a:rPr lang="en-US" dirty="0"/>
                         <a:t>1</a:t>
                       </a:r>
-                      <a:endParaRPr lang="en-US" dirty="0"/>
                     </a:p>
                   </a:txBody>
                   <a:tcPr/>
@@ -5467,10 +5435,9 @@
                     <a:p>
                       <a:pPr algn="ctr"/>
                       <a:r>
-                        <a:rPr lang="en-US" dirty="0" smtClean="0"/>
+                        <a:rPr lang="en-US" dirty="0"/>
                         <a:t>2</a:t>
                       </a:r>
-                      <a:endParaRPr lang="en-US" dirty="0"/>
                     </a:p>
                   </a:txBody>
                   <a:tcPr/>
@@ -5482,10 +5449,9 @@
                     <a:p>
                       <a:pPr algn="ctr"/>
                       <a:r>
-                        <a:rPr lang="en-US" dirty="0" smtClean="0"/>
+                        <a:rPr lang="en-US" dirty="0"/>
                         <a:t>3</a:t>
                       </a:r>
-                      <a:endParaRPr lang="en-US" dirty="0"/>
                     </a:p>
                   </a:txBody>
                   <a:tcPr/>
@@ -5497,10 +5463,9 @@
                     <a:p>
                       <a:pPr algn="ctr"/>
                       <a:r>
-                        <a:rPr lang="en-US" dirty="0" smtClean="0"/>
+                        <a:rPr lang="en-US" dirty="0"/>
                         <a:t>4</a:t>
                       </a:r>
-                      <a:endParaRPr lang="en-US" dirty="0"/>
                     </a:p>
                   </a:txBody>
                   <a:tcPr/>
@@ -5512,14 +5477,18 @@
                     <a:p>
                       <a:pPr algn="ctr"/>
                       <a:r>
-                        <a:rPr lang="en-US" dirty="0" smtClean="0"/>
+                        <a:rPr lang="en-US" dirty="0"/>
                         <a:t>5</a:t>
                       </a:r>
-                      <a:endParaRPr lang="en-US" dirty="0"/>
                     </a:p>
                   </a:txBody>
                   <a:tcPr/>
                 </a:tc>
+                <a:extLst>
+                  <a:ext uri="{0D108BD9-81ED-4DB2-BD59-A6C34878D82A}">
+                    <a16:rowId xmlns:a16="http://schemas.microsoft.com/office/drawing/2014/main" val="10000"/>
+                  </a:ext>
+                </a:extLst>
               </a:tr>
               <a:tr h="0">
                 <a:tc>
@@ -5529,10 +5498,9 @@
                     <a:p>
                       <a:pPr algn="ctr"/>
                       <a:r>
-                        <a:rPr lang="en-US" dirty="0" smtClean="0"/>
+                        <a:rPr lang="en-US" dirty="0"/>
                         <a:t>0</a:t>
                       </a:r>
-                      <a:endParaRPr lang="en-US" dirty="0"/>
                     </a:p>
                   </a:txBody>
                   <a:tcPr/>
@@ -5544,10 +5512,9 @@
                     <a:p>
                       <a:pPr algn="ctr"/>
                       <a:r>
-                        <a:rPr lang="en-US" dirty="0" smtClean="0"/>
+                        <a:rPr lang="en-US" dirty="0"/>
                         <a:t>NULL</a:t>
                       </a:r>
-                      <a:endParaRPr lang="en-US" dirty="0"/>
                     </a:p>
                   </a:txBody>
                   <a:tcPr anchor="ctr"/>
@@ -5559,18 +5526,13 @@
                     <a:p>
                       <a:pPr algn="ctr"/>
                       <a:r>
-                        <a:rPr lang="en-US" dirty="0" smtClean="0">
+                        <a:rPr lang="en-US" dirty="0">
                           <a:solidFill>
                             <a:srgbClr val="FF0000"/>
                           </a:solidFill>
                         </a:rPr>
                         <a:t>0</a:t>
                       </a:r>
-                      <a:endParaRPr lang="en-US" dirty="0">
-                        <a:solidFill>
-                          <a:srgbClr val="FF0000"/>
-                        </a:solidFill>
-                      </a:endParaRPr>
                     </a:p>
                   </a:txBody>
                   <a:tcPr anchor="ctr"/>
@@ -5582,18 +5544,13 @@
                     <a:p>
                       <a:pPr algn="ctr"/>
                       <a:r>
-                        <a:rPr lang="en-US" dirty="0" smtClean="0">
+                        <a:rPr lang="en-US" dirty="0">
                           <a:solidFill>
                             <a:srgbClr val="FF0000"/>
                           </a:solidFill>
                         </a:rPr>
                         <a:t>5</a:t>
                       </a:r>
-                      <a:endParaRPr lang="en-US" dirty="0">
-                        <a:solidFill>
-                          <a:srgbClr val="FF0000"/>
-                        </a:solidFill>
-                      </a:endParaRPr>
                     </a:p>
                   </a:txBody>
                   <a:tcPr anchor="ctr"/>
@@ -5605,18 +5562,13 @@
                     <a:p>
                       <a:pPr algn="ctr"/>
                       <a:r>
-                        <a:rPr lang="en-US" dirty="0" smtClean="0">
+                        <a:rPr lang="en-US" dirty="0">
                           <a:solidFill>
                             <a:srgbClr val="FF0000"/>
                           </a:solidFill>
                         </a:rPr>
                         <a:t>8</a:t>
                       </a:r>
-                      <a:endParaRPr lang="en-US" dirty="0">
-                        <a:solidFill>
-                          <a:srgbClr val="FF0000"/>
-                        </a:solidFill>
-                      </a:endParaRPr>
                     </a:p>
                   </a:txBody>
                   <a:tcPr anchor="ctr"/>
@@ -5628,10 +5580,9 @@
                     <a:p>
                       <a:pPr algn="ctr"/>
                       <a:r>
-                        <a:rPr lang="en-US" dirty="0" smtClean="0"/>
+                        <a:rPr lang="en-US" dirty="0"/>
                         <a:t>NULL</a:t>
                       </a:r>
-                      <a:endParaRPr lang="en-US" dirty="0"/>
                     </a:p>
                   </a:txBody>
                   <a:tcPr anchor="ctr"/>
@@ -5643,14 +5594,18 @@
                     <a:p>
                       <a:pPr algn="ctr"/>
                       <a:r>
-                        <a:rPr lang="en-US" dirty="0" smtClean="0"/>
+                        <a:rPr lang="en-US" dirty="0"/>
                         <a:t>NULL</a:t>
                       </a:r>
-                      <a:endParaRPr lang="en-US" dirty="0"/>
                     </a:p>
                   </a:txBody>
                   <a:tcPr anchor="ctr"/>
                 </a:tc>
+                <a:extLst>
+                  <a:ext uri="{0D108BD9-81ED-4DB2-BD59-A6C34878D82A}">
+                    <a16:rowId xmlns:a16="http://schemas.microsoft.com/office/drawing/2014/main" val="10001"/>
+                  </a:ext>
+                </a:extLst>
               </a:tr>
               <a:tr h="0">
                 <a:tc>
@@ -5660,10 +5615,9 @@
                     <a:p>
                       <a:pPr algn="ctr"/>
                       <a:r>
-                        <a:rPr lang="en-US" dirty="0" smtClean="0"/>
+                        <a:rPr lang="en-US" dirty="0"/>
                         <a:t>1</a:t>
                       </a:r>
-                      <a:endParaRPr lang="en-US" dirty="0"/>
                     </a:p>
                   </a:txBody>
                   <a:tcPr/>
@@ -5675,10 +5629,9 @@
                     <a:p>
                       <a:pPr algn="ctr"/>
                       <a:r>
-                        <a:rPr lang="en-US" dirty="0" smtClean="0"/>
+                        <a:rPr lang="en-US" dirty="0"/>
                         <a:t>NULL</a:t>
                       </a:r>
-                      <a:endParaRPr lang="en-US" dirty="0"/>
                     </a:p>
                   </a:txBody>
                   <a:tcPr anchor="ctr"/>
@@ -5690,10 +5643,9 @@
                     <a:p>
                       <a:pPr algn="ctr"/>
                       <a:r>
-                        <a:rPr lang="en-US" dirty="0" smtClean="0"/>
+                        <a:rPr lang="en-US" dirty="0"/>
                         <a:t>NULL</a:t>
                       </a:r>
-                      <a:endParaRPr lang="en-US" dirty="0"/>
                     </a:p>
                   </a:txBody>
                   <a:tcPr anchor="ctr"/>
@@ -5705,10 +5657,9 @@
                     <a:p>
                       <a:pPr algn="ctr"/>
                       <a:r>
-                        <a:rPr lang="en-US" dirty="0" smtClean="0"/>
+                        <a:rPr lang="en-US" dirty="0"/>
                         <a:t>NULL</a:t>
                       </a:r>
-                      <a:endParaRPr lang="en-US" dirty="0"/>
                     </a:p>
                   </a:txBody>
                   <a:tcPr anchor="ctr"/>
@@ -5720,10 +5671,9 @@
                     <a:p>
                       <a:pPr algn="ctr"/>
                       <a:r>
-                        <a:rPr lang="en-US" dirty="0" smtClean="0"/>
+                        <a:rPr lang="en-US" dirty="0"/>
                         <a:t>NULL</a:t>
                       </a:r>
-                      <a:endParaRPr lang="en-US" dirty="0"/>
                     </a:p>
                   </a:txBody>
                   <a:tcPr anchor="ctr"/>
@@ -5735,10 +5685,9 @@
                     <a:p>
                       <a:pPr algn="ctr"/>
                       <a:r>
-                        <a:rPr lang="en-US" dirty="0" smtClean="0"/>
+                        <a:rPr lang="en-US" dirty="0"/>
                         <a:t>NULL</a:t>
                       </a:r>
-                      <a:endParaRPr lang="en-US" dirty="0"/>
                     </a:p>
                   </a:txBody>
                   <a:tcPr anchor="ctr"/>
@@ -5750,14 +5699,18 @@
                     <a:p>
                       <a:pPr algn="ctr"/>
                       <a:r>
-                        <a:rPr lang="en-US" dirty="0" smtClean="0"/>
+                        <a:rPr lang="en-US" dirty="0"/>
                         <a:t>NULL</a:t>
                       </a:r>
-                      <a:endParaRPr lang="en-US" dirty="0"/>
                     </a:p>
                   </a:txBody>
                   <a:tcPr anchor="ctr"/>
                 </a:tc>
+                <a:extLst>
+                  <a:ext uri="{0D108BD9-81ED-4DB2-BD59-A6C34878D82A}">
+                    <a16:rowId xmlns:a16="http://schemas.microsoft.com/office/drawing/2014/main" val="10002"/>
+                  </a:ext>
+                </a:extLst>
               </a:tr>
               <a:tr h="189776">
                 <a:tc>
@@ -5767,10 +5720,9 @@
                     <a:p>
                       <a:pPr algn="ctr"/>
                       <a:r>
-                        <a:rPr lang="en-US" dirty="0" smtClean="0"/>
+                        <a:rPr lang="en-US" dirty="0"/>
                         <a:t>2</a:t>
                       </a:r>
-                      <a:endParaRPr lang="en-US" dirty="0"/>
                     </a:p>
                   </a:txBody>
                   <a:tcPr/>
@@ -5782,10 +5734,9 @@
                     <a:p>
                       <a:pPr algn="ctr"/>
                       <a:r>
-                        <a:rPr lang="en-US" dirty="0" smtClean="0"/>
+                        <a:rPr lang="en-US" dirty="0"/>
                         <a:t>NULL</a:t>
                       </a:r>
-                      <a:endParaRPr lang="en-US" dirty="0"/>
                     </a:p>
                   </a:txBody>
                   <a:tcPr anchor="ctr"/>
@@ -5797,10 +5748,9 @@
                     <a:p>
                       <a:pPr algn="ctr"/>
                       <a:r>
-                        <a:rPr lang="en-US" dirty="0" smtClean="0"/>
+                        <a:rPr lang="en-US" dirty="0"/>
                         <a:t>NULL</a:t>
                       </a:r>
-                      <a:endParaRPr lang="en-US" dirty="0"/>
                     </a:p>
                   </a:txBody>
                   <a:tcPr anchor="ctr"/>
@@ -5812,10 +5762,9 @@
                     <a:p>
                       <a:pPr algn="ctr"/>
                       <a:r>
-                        <a:rPr lang="en-US" dirty="0" smtClean="0"/>
+                        <a:rPr lang="en-US" dirty="0"/>
                         <a:t>NULL</a:t>
                       </a:r>
-                      <a:endParaRPr lang="en-US" dirty="0"/>
                     </a:p>
                   </a:txBody>
                   <a:tcPr anchor="ctr"/>
@@ -5827,10 +5776,9 @@
                     <a:p>
                       <a:pPr algn="ctr"/>
                       <a:r>
-                        <a:rPr lang="en-US" dirty="0" smtClean="0"/>
+                        <a:rPr lang="en-US" dirty="0"/>
                         <a:t>NULL</a:t>
                       </a:r>
-                      <a:endParaRPr lang="en-US" dirty="0"/>
                     </a:p>
                   </a:txBody>
                   <a:tcPr anchor="ctr"/>
@@ -5842,18 +5790,13 @@
                     <a:p>
                       <a:pPr algn="ctr"/>
                       <a:r>
-                        <a:rPr lang="en-US" dirty="0" smtClean="0">
+                        <a:rPr lang="en-US" dirty="0">
                           <a:solidFill>
                             <a:srgbClr val="FF0000"/>
                           </a:solidFill>
                         </a:rPr>
                         <a:t>11</a:t>
                       </a:r>
-                      <a:endParaRPr lang="en-US" dirty="0">
-                        <a:solidFill>
-                          <a:srgbClr val="FF0000"/>
-                        </a:solidFill>
-                      </a:endParaRPr>
                     </a:p>
                   </a:txBody>
                   <a:tcPr anchor="ctr"/>
@@ -5865,22 +5808,22 @@
                     <a:p>
                       <a:pPr algn="ctr"/>
                       <a:r>
-                        <a:rPr lang="en-US" dirty="0" smtClean="0">
+                        <a:rPr lang="en-US" dirty="0">
                           <a:solidFill>
                             <a:srgbClr val="FF0000"/>
                           </a:solidFill>
                         </a:rPr>
                         <a:t>3</a:t>
                       </a:r>
-                      <a:endParaRPr lang="en-US" dirty="0">
-                        <a:solidFill>
-                          <a:srgbClr val="FF0000"/>
-                        </a:solidFill>
-                      </a:endParaRPr>
                     </a:p>
                   </a:txBody>
                   <a:tcPr anchor="ctr"/>
                 </a:tc>
+                <a:extLst>
+                  <a:ext uri="{0D108BD9-81ED-4DB2-BD59-A6C34878D82A}">
+                    <a16:rowId xmlns:a16="http://schemas.microsoft.com/office/drawing/2014/main" val="10003"/>
+                  </a:ext>
+                </a:extLst>
               </a:tr>
               <a:tr h="233919">
                 <a:tc>
@@ -5890,10 +5833,9 @@
                     <a:p>
                       <a:pPr algn="ctr"/>
                       <a:r>
-                        <a:rPr lang="en-US" dirty="0" smtClean="0"/>
+                        <a:rPr lang="en-US" dirty="0"/>
                         <a:t>3</a:t>
                       </a:r>
-                      <a:endParaRPr lang="en-US" dirty="0"/>
                     </a:p>
                   </a:txBody>
                   <a:tcPr/>
@@ -5905,10 +5847,9 @@
                     <a:p>
                       <a:pPr algn="ctr"/>
                       <a:r>
-                        <a:rPr lang="en-US" dirty="0" smtClean="0"/>
+                        <a:rPr lang="en-US" dirty="0"/>
                         <a:t>NULL</a:t>
                       </a:r>
-                      <a:endParaRPr lang="en-US" dirty="0"/>
                     </a:p>
                   </a:txBody>
                   <a:tcPr anchor="ctr"/>
@@ -5920,10 +5861,9 @@
                     <a:p>
                       <a:pPr algn="ctr"/>
                       <a:r>
-                        <a:rPr lang="en-US" dirty="0" smtClean="0"/>
+                        <a:rPr lang="en-US" dirty="0"/>
                         <a:t>NULL</a:t>
                       </a:r>
-                      <a:endParaRPr lang="en-US" dirty="0"/>
                     </a:p>
                   </a:txBody>
                   <a:tcPr anchor="ctr"/>
@@ -5935,10 +5875,9 @@
                     <a:p>
                       <a:pPr algn="ctr"/>
                       <a:r>
-                        <a:rPr lang="en-US" dirty="0" smtClean="0"/>
+                        <a:rPr lang="en-US" dirty="0"/>
                         <a:t>NULL</a:t>
                       </a:r>
-                      <a:endParaRPr lang="en-US" dirty="0"/>
                     </a:p>
                   </a:txBody>
                   <a:tcPr anchor="ctr"/>
@@ -5950,10 +5889,9 @@
                     <a:p>
                       <a:pPr algn="ctr"/>
                       <a:r>
-                        <a:rPr lang="en-US" dirty="0" smtClean="0"/>
+                        <a:rPr lang="en-US" dirty="0"/>
                         <a:t>NULL</a:t>
                       </a:r>
-                      <a:endParaRPr lang="en-US" dirty="0"/>
                     </a:p>
                   </a:txBody>
                   <a:tcPr anchor="ctr"/>
@@ -5965,10 +5903,9 @@
                     <a:p>
                       <a:pPr algn="ctr"/>
                       <a:r>
-                        <a:rPr lang="en-US" dirty="0" smtClean="0"/>
+                        <a:rPr lang="en-US" dirty="0"/>
                         <a:t>NULL</a:t>
                       </a:r>
-                      <a:endParaRPr lang="en-US" dirty="0"/>
                     </a:p>
                   </a:txBody>
                   <a:tcPr anchor="ctr"/>
@@ -5980,14 +5917,18 @@
                     <a:p>
                       <a:pPr algn="ctr"/>
                       <a:r>
-                        <a:rPr lang="en-US" dirty="0" smtClean="0"/>
+                        <a:rPr lang="en-US" dirty="0"/>
                         <a:t>NULL</a:t>
                       </a:r>
-                      <a:endParaRPr lang="en-US" dirty="0"/>
                     </a:p>
                   </a:txBody>
                   <a:tcPr anchor="ctr"/>
                 </a:tc>
+                <a:extLst>
+                  <a:ext uri="{0D108BD9-81ED-4DB2-BD59-A6C34878D82A}">
+                    <a16:rowId xmlns:a16="http://schemas.microsoft.com/office/drawing/2014/main" val="10004"/>
+                  </a:ext>
+                </a:extLst>
               </a:tr>
               <a:tr h="0">
                 <a:tc>
@@ -5997,10 +5938,9 @@
                     <a:p>
                       <a:pPr algn="ctr"/>
                       <a:r>
-                        <a:rPr lang="en-US" dirty="0" smtClean="0"/>
+                        <a:rPr lang="en-US" dirty="0"/>
                         <a:t>4</a:t>
                       </a:r>
-                      <a:endParaRPr lang="en-US" dirty="0"/>
                     </a:p>
                   </a:txBody>
                   <a:tcPr/>
@@ -6012,10 +5952,9 @@
                     <a:p>
                       <a:pPr algn="ctr"/>
                       <a:r>
-                        <a:rPr lang="en-US" dirty="0" smtClean="0"/>
+                        <a:rPr lang="en-US" dirty="0"/>
                         <a:t>NULL</a:t>
                       </a:r>
-                      <a:endParaRPr lang="en-US" dirty="0"/>
                     </a:p>
                   </a:txBody>
                   <a:tcPr anchor="ctr"/>
@@ -6027,10 +5966,9 @@
                     <a:p>
                       <a:pPr algn="ctr"/>
                       <a:r>
-                        <a:rPr lang="en-US" dirty="0" smtClean="0"/>
+                        <a:rPr lang="en-US" dirty="0"/>
                         <a:t>NULL</a:t>
                       </a:r>
-                      <a:endParaRPr lang="en-US" dirty="0"/>
                     </a:p>
                   </a:txBody>
                   <a:tcPr anchor="ctr"/>
@@ -6042,10 +5980,9 @@
                     <a:p>
                       <a:pPr algn="ctr"/>
                       <a:r>
-                        <a:rPr lang="en-US" dirty="0" smtClean="0"/>
+                        <a:rPr lang="en-US" dirty="0"/>
                         <a:t>NULL</a:t>
                       </a:r>
-                      <a:endParaRPr lang="en-US" dirty="0"/>
                     </a:p>
                   </a:txBody>
                   <a:tcPr anchor="ctr"/>
@@ -6057,10 +5994,9 @@
                     <a:p>
                       <a:pPr algn="ctr"/>
                       <a:r>
-                        <a:rPr lang="en-US" dirty="0" smtClean="0"/>
+                        <a:rPr lang="en-US" dirty="0"/>
                         <a:t>NULL</a:t>
                       </a:r>
-                      <a:endParaRPr lang="en-US" dirty="0"/>
                     </a:p>
                   </a:txBody>
                   <a:tcPr anchor="ctr"/>
@@ -6072,10 +6008,9 @@
                     <a:p>
                       <a:pPr algn="ctr"/>
                       <a:r>
-                        <a:rPr lang="en-US" dirty="0" smtClean="0"/>
+                        <a:rPr lang="en-US" dirty="0"/>
                         <a:t>NULL</a:t>
                       </a:r>
-                      <a:endParaRPr lang="en-US" dirty="0"/>
                     </a:p>
                   </a:txBody>
                   <a:tcPr anchor="ctr"/>
@@ -6087,14 +6022,18 @@
                     <a:p>
                       <a:pPr algn="ctr"/>
                       <a:r>
-                        <a:rPr lang="en-US" dirty="0" smtClean="0"/>
+                        <a:rPr lang="en-US" dirty="0"/>
                         <a:t>NULL</a:t>
                       </a:r>
-                      <a:endParaRPr lang="en-US" dirty="0"/>
                     </a:p>
                   </a:txBody>
                   <a:tcPr anchor="ctr"/>
                 </a:tc>
+                <a:extLst>
+                  <a:ext uri="{0D108BD9-81ED-4DB2-BD59-A6C34878D82A}">
+                    <a16:rowId xmlns:a16="http://schemas.microsoft.com/office/drawing/2014/main" val="10005"/>
+                  </a:ext>
+                </a:extLst>
               </a:tr>
               <a:tr h="0">
                 <a:tc>
@@ -6104,10 +6043,9 @@
                     <a:p>
                       <a:pPr algn="ctr"/>
                       <a:r>
-                        <a:rPr lang="en-US" dirty="0" smtClean="0"/>
+                        <a:rPr lang="en-US" dirty="0"/>
                         <a:t>5</a:t>
                       </a:r>
-                      <a:endParaRPr lang="en-US" dirty="0"/>
                     </a:p>
                   </a:txBody>
                   <a:tcPr/>
@@ -6119,10 +6057,9 @@
                     <a:p>
                       <a:pPr algn="ctr"/>
                       <a:r>
-                        <a:rPr lang="en-US" dirty="0" smtClean="0"/>
+                        <a:rPr lang="en-US" dirty="0"/>
                         <a:t>NULL</a:t>
                       </a:r>
-                      <a:endParaRPr lang="en-US" dirty="0"/>
                     </a:p>
                   </a:txBody>
                   <a:tcPr anchor="ctr"/>
@@ -6134,10 +6071,9 @@
                     <a:p>
                       <a:pPr algn="ctr"/>
                       <a:r>
-                        <a:rPr lang="en-US" dirty="0" smtClean="0"/>
+                        <a:rPr lang="en-US" dirty="0"/>
                         <a:t>NULL</a:t>
                       </a:r>
-                      <a:endParaRPr lang="en-US" dirty="0"/>
                     </a:p>
                   </a:txBody>
                   <a:tcPr anchor="ctr"/>
@@ -6149,10 +6085,9 @@
                     <a:p>
                       <a:pPr algn="ctr"/>
                       <a:r>
-                        <a:rPr lang="en-US" dirty="0" smtClean="0"/>
+                        <a:rPr lang="en-US" dirty="0"/>
                         <a:t>NULL</a:t>
                       </a:r>
-                      <a:endParaRPr lang="en-US" dirty="0"/>
                     </a:p>
                   </a:txBody>
                   <a:tcPr anchor="ctr"/>
@@ -6164,10 +6099,9 @@
                     <a:p>
                       <a:pPr algn="ctr"/>
                       <a:r>
-                        <a:rPr lang="en-US" dirty="0" smtClean="0"/>
+                        <a:rPr lang="en-US" dirty="0"/>
                         <a:t>NULL</a:t>
                       </a:r>
-                      <a:endParaRPr lang="en-US" dirty="0"/>
                     </a:p>
                   </a:txBody>
                   <a:tcPr anchor="ctr"/>
@@ -6179,10 +6113,9 @@
                     <a:p>
                       <a:pPr algn="ctr"/>
                       <a:r>
-                        <a:rPr lang="en-US" dirty="0" smtClean="0"/>
+                        <a:rPr lang="en-US" dirty="0"/>
                         <a:t>NULL</a:t>
                       </a:r>
-                      <a:endParaRPr lang="en-US" dirty="0"/>
                     </a:p>
                   </a:txBody>
                   <a:tcPr anchor="ctr"/>
@@ -6194,14 +6127,18 @@
                     <a:p>
                       <a:pPr algn="ctr"/>
                       <a:r>
-                        <a:rPr lang="en-US" dirty="0" smtClean="0"/>
+                        <a:rPr lang="en-US" dirty="0"/>
                         <a:t>NULL</a:t>
                       </a:r>
-                      <a:endParaRPr lang="en-US" dirty="0"/>
                     </a:p>
                   </a:txBody>
                   <a:tcPr anchor="ctr"/>
                 </a:tc>
+                <a:extLst>
+                  <a:ext uri="{0D108BD9-81ED-4DB2-BD59-A6C34878D82A}">
+                    <a16:rowId xmlns:a16="http://schemas.microsoft.com/office/drawing/2014/main" val="10006"/>
+                  </a:ext>
+                </a:extLst>
               </a:tr>
             </a:tbl>
           </a:graphicData>
@@ -6250,18 +6187,13 @@
           <a:p>
             <a:pPr algn="ctr"/>
             <a:r>
-              <a:rPr lang="en-US" sz="2800" dirty="0" smtClean="0">
+              <a:rPr lang="en-US" sz="2800" dirty="0">
                 <a:solidFill>
                   <a:schemeClr val="tx1"/>
                 </a:solidFill>
               </a:rPr>
               <a:t>0</a:t>
             </a:r>
-            <a:endParaRPr lang="en-US" sz="2800" dirty="0">
-              <a:solidFill>
-                <a:schemeClr val="tx1"/>
-              </a:solidFill>
-            </a:endParaRPr>
           </a:p>
         </p:txBody>
       </p:sp>
@@ -6308,18 +6240,13 @@
           <a:p>
             <a:pPr algn="ctr"/>
             <a:r>
-              <a:rPr lang="en-US" sz="2800" dirty="0" smtClean="0">
+              <a:rPr lang="en-US" sz="2800" dirty="0">
                 <a:solidFill>
                   <a:schemeClr val="tx1"/>
                 </a:solidFill>
               </a:rPr>
               <a:t>1</a:t>
             </a:r>
-            <a:endParaRPr lang="en-US" sz="2800" dirty="0">
-              <a:solidFill>
-                <a:schemeClr val="tx1"/>
-              </a:solidFill>
-            </a:endParaRPr>
           </a:p>
         </p:txBody>
       </p:sp>
@@ -6366,18 +6293,13 @@
           <a:p>
             <a:pPr algn="ctr"/>
             <a:r>
-              <a:rPr lang="en-US" sz="2800" dirty="0" smtClean="0">
+              <a:rPr lang="en-US" sz="2800" dirty="0">
                 <a:solidFill>
                   <a:schemeClr val="tx1"/>
                 </a:solidFill>
               </a:rPr>
               <a:t>2</a:t>
             </a:r>
-            <a:endParaRPr lang="en-US" sz="2800" dirty="0">
-              <a:solidFill>
-                <a:schemeClr val="tx1"/>
-              </a:solidFill>
-            </a:endParaRPr>
           </a:p>
         </p:txBody>
       </p:sp>
@@ -6424,18 +6346,13 @@
           <a:p>
             <a:pPr algn="ctr"/>
             <a:r>
-              <a:rPr lang="en-US" sz="2800" dirty="0" smtClean="0">
+              <a:rPr lang="en-US" sz="2800" dirty="0">
                 <a:solidFill>
                   <a:schemeClr val="tx1"/>
                 </a:solidFill>
               </a:rPr>
               <a:t>3</a:t>
             </a:r>
-            <a:endParaRPr lang="en-US" sz="2800" dirty="0">
-              <a:solidFill>
-                <a:schemeClr val="tx1"/>
-              </a:solidFill>
-            </a:endParaRPr>
           </a:p>
         </p:txBody>
       </p:sp>
@@ -6599,18 +6516,13 @@
           <a:p>
             <a:pPr algn="ctr"/>
             <a:r>
-              <a:rPr lang="en-US" sz="2800" dirty="0" smtClean="0">
+              <a:rPr lang="en-US" sz="2800" dirty="0">
                 <a:solidFill>
                   <a:schemeClr val="tx1"/>
                 </a:solidFill>
               </a:rPr>
               <a:t>4</a:t>
             </a:r>
-            <a:endParaRPr lang="en-US" sz="2800" dirty="0">
-              <a:solidFill>
-                <a:schemeClr val="tx1"/>
-              </a:solidFill>
-            </a:endParaRPr>
           </a:p>
         </p:txBody>
       </p:sp>
@@ -6657,18 +6569,13 @@
           <a:p>
             <a:pPr algn="ctr"/>
             <a:r>
-              <a:rPr lang="en-US" sz="2800" dirty="0" smtClean="0">
+              <a:rPr lang="en-US" sz="2800" dirty="0">
                 <a:solidFill>
                   <a:schemeClr val="tx1"/>
                 </a:solidFill>
               </a:rPr>
               <a:t>5</a:t>
             </a:r>
-            <a:endParaRPr lang="en-US" sz="2800" dirty="0">
-              <a:solidFill>
-                <a:schemeClr val="tx1"/>
-              </a:solidFill>
-            </a:endParaRPr>
           </a:p>
         </p:txBody>
       </p:sp>
@@ -6773,10 +6680,9 @@
           <a:lstStyle/>
           <a:p>
             <a:r>
-              <a:rPr lang="en-US" smtClean="0"/>
+              <a:rPr lang="en-US"/>
               <a:t>0</a:t>
             </a:r>
-            <a:endParaRPr lang="en-US"/>
           </a:p>
         </p:txBody>
       </p:sp>
@@ -6803,10 +6709,9 @@
           <a:lstStyle/>
           <a:p>
             <a:r>
-              <a:rPr lang="en-US" smtClean="0"/>
+              <a:rPr lang="en-US"/>
               <a:t>5</a:t>
             </a:r>
-            <a:endParaRPr lang="en-US"/>
           </a:p>
         </p:txBody>
       </p:sp>
@@ -6833,10 +6738,9 @@
           <a:lstStyle/>
           <a:p>
             <a:r>
-              <a:rPr lang="en-US" smtClean="0"/>
+              <a:rPr lang="en-US"/>
               <a:t>8</a:t>
             </a:r>
-            <a:endParaRPr lang="en-US"/>
           </a:p>
         </p:txBody>
       </p:sp>
@@ -6863,10 +6767,9 @@
           <a:lstStyle/>
           <a:p>
             <a:r>
-              <a:rPr lang="en-US" smtClean="0"/>
+              <a:rPr lang="en-US"/>
               <a:t>11</a:t>
             </a:r>
-            <a:endParaRPr lang="en-US"/>
           </a:p>
         </p:txBody>
       </p:sp>
@@ -6893,10 +6796,9 @@
           <a:lstStyle/>
           <a:p>
             <a:r>
-              <a:rPr lang="en-US" dirty="0" smtClean="0"/>
+              <a:rPr lang="en-US" dirty="0"/>
               <a:t>3</a:t>
             </a:r>
-            <a:endParaRPr lang="en-US" dirty="0"/>
           </a:p>
         </p:txBody>
       </p:sp>
@@ -6973,18 +6875,13 @@
           <a:p>
             <a:pPr algn="ctr"/>
             <a:r>
-              <a:rPr lang="en-US" sz="2800" dirty="0" smtClean="0">
+              <a:rPr lang="en-US" sz="2800" dirty="0">
                 <a:solidFill>
                   <a:schemeClr val="tx1"/>
                 </a:solidFill>
               </a:rPr>
               <a:t>a</a:t>
             </a:r>
-            <a:endParaRPr lang="en-US" sz="2800" dirty="0">
-              <a:solidFill>
-                <a:schemeClr val="tx1"/>
-              </a:solidFill>
-            </a:endParaRPr>
           </a:p>
         </p:txBody>
       </p:sp>
@@ -7031,18 +6928,13 @@
           <a:p>
             <a:pPr algn="ctr"/>
             <a:r>
-              <a:rPr lang="en-US" sz="2800" dirty="0" smtClean="0">
+              <a:rPr lang="en-US" sz="2800" dirty="0">
                 <a:solidFill>
                   <a:schemeClr val="tx1"/>
                 </a:solidFill>
               </a:rPr>
               <a:t>b</a:t>
             </a:r>
-            <a:endParaRPr lang="en-US" sz="2800" dirty="0">
-              <a:solidFill>
-                <a:schemeClr val="tx1"/>
-              </a:solidFill>
-            </a:endParaRPr>
           </a:p>
         </p:txBody>
       </p:sp>
@@ -7089,18 +6981,13 @@
           <a:p>
             <a:pPr algn="ctr"/>
             <a:r>
-              <a:rPr lang="en-US" sz="2800" dirty="0" smtClean="0">
+              <a:rPr lang="en-US" sz="2800" dirty="0">
                 <a:solidFill>
                   <a:schemeClr val="tx1"/>
                 </a:solidFill>
               </a:rPr>
               <a:t>c</a:t>
             </a:r>
-            <a:endParaRPr lang="en-US" sz="2800" dirty="0">
-              <a:solidFill>
-                <a:schemeClr val="tx1"/>
-              </a:solidFill>
-            </a:endParaRPr>
           </a:p>
         </p:txBody>
       </p:sp>
@@ -7147,18 +7034,13 @@
           <a:p>
             <a:pPr algn="ctr"/>
             <a:r>
-              <a:rPr lang="en-US" sz="2800" dirty="0" smtClean="0">
+              <a:rPr lang="en-US" sz="2800" dirty="0">
                 <a:solidFill>
                   <a:schemeClr val="tx1"/>
                 </a:solidFill>
               </a:rPr>
               <a:t>d</a:t>
             </a:r>
-            <a:endParaRPr lang="en-US" sz="2800" dirty="0">
-              <a:solidFill>
-                <a:schemeClr val="tx1"/>
-              </a:solidFill>
-            </a:endParaRPr>
           </a:p>
         </p:txBody>
       </p:sp>
@@ -7439,18 +7321,13 @@
           <a:p>
             <a:pPr algn="ctr"/>
             <a:r>
-              <a:rPr lang="en-US" sz="2800" dirty="0" smtClean="0">
+              <a:rPr lang="en-US" sz="2800" dirty="0">
                 <a:solidFill>
                   <a:schemeClr val="tx1"/>
                 </a:solidFill>
               </a:rPr>
               <a:t>e</a:t>
             </a:r>
-            <a:endParaRPr lang="en-US" sz="2800" dirty="0">
-              <a:solidFill>
-                <a:schemeClr val="tx1"/>
-              </a:solidFill>
-            </a:endParaRPr>
           </a:p>
         </p:txBody>
       </p:sp>
@@ -7497,18 +7374,13 @@
           <a:p>
             <a:pPr algn="ctr"/>
             <a:r>
-              <a:rPr lang="en-US" sz="2800" dirty="0" smtClean="0">
+              <a:rPr lang="en-US" sz="2800" dirty="0">
                 <a:solidFill>
                   <a:schemeClr val="tx1"/>
                 </a:solidFill>
               </a:rPr>
               <a:t>f</a:t>
             </a:r>
-            <a:endParaRPr lang="en-US" sz="2800" dirty="0">
-              <a:solidFill>
-                <a:schemeClr val="tx1"/>
-              </a:solidFill>
-            </a:endParaRPr>
           </a:p>
         </p:txBody>
       </p:sp>
@@ -7594,18 +7466,13 @@
           <a:p>
             <a:pPr algn="ctr"/>
             <a:r>
-              <a:rPr lang="en-US" sz="2800" dirty="0" smtClean="0">
+              <a:rPr lang="en-US" sz="2800" dirty="0">
                 <a:solidFill>
                   <a:schemeClr val="tx1"/>
                 </a:solidFill>
               </a:rPr>
               <a:t>g</a:t>
             </a:r>
-            <a:endParaRPr lang="en-US" sz="2800" dirty="0">
-              <a:solidFill>
-                <a:schemeClr val="tx1"/>
-              </a:solidFill>
-            </a:endParaRPr>
           </a:p>
         </p:txBody>
       </p:sp>
@@ -7735,7 +7602,7 @@
           <p:nvPr>
             <p:extLst>
               <p:ext uri="{D42A27DB-BD31-4B8C-83A1-F6EECF244321}">
-                <p14:modId xmlns:p14="http://schemas.microsoft.com/office/powerpoint/2010/main" val="1964338523"/>
+                <p14:modId xmlns:p14="http://schemas.microsoft.com/office/powerpoint/2010/main" val="634478788"/>
               </p:ext>
             </p:extLst>
           </p:nvPr>
@@ -7751,14 +7618,62 @@
                 <a:tableStyleId>{5C22544A-7EE6-4342-B048-85BDC9FD1C3A}</a:tableStyleId>
               </a:tblPr>
               <a:tblGrid>
-                <a:gridCol w="422910"/>
-                <a:gridCol w="422910"/>
-                <a:gridCol w="422910"/>
-                <a:gridCol w="422910"/>
-                <a:gridCol w="422910"/>
-                <a:gridCol w="422910"/>
-                <a:gridCol w="422910"/>
-                <a:gridCol w="422910"/>
+                <a:gridCol w="422910">
+                  <a:extLst>
+                    <a:ext uri="{9D8B030D-6E8A-4147-A177-3AD203B41FA5}">
+                      <a16:colId xmlns:a16="http://schemas.microsoft.com/office/drawing/2014/main" val="20000"/>
+                    </a:ext>
+                  </a:extLst>
+                </a:gridCol>
+                <a:gridCol w="422910">
+                  <a:extLst>
+                    <a:ext uri="{9D8B030D-6E8A-4147-A177-3AD203B41FA5}">
+                      <a16:colId xmlns:a16="http://schemas.microsoft.com/office/drawing/2014/main" val="20001"/>
+                    </a:ext>
+                  </a:extLst>
+                </a:gridCol>
+                <a:gridCol w="422910">
+                  <a:extLst>
+                    <a:ext uri="{9D8B030D-6E8A-4147-A177-3AD203B41FA5}">
+                      <a16:colId xmlns:a16="http://schemas.microsoft.com/office/drawing/2014/main" val="20002"/>
+                    </a:ext>
+                  </a:extLst>
+                </a:gridCol>
+                <a:gridCol w="422910">
+                  <a:extLst>
+                    <a:ext uri="{9D8B030D-6E8A-4147-A177-3AD203B41FA5}">
+                      <a16:colId xmlns:a16="http://schemas.microsoft.com/office/drawing/2014/main" val="20003"/>
+                    </a:ext>
+                  </a:extLst>
+                </a:gridCol>
+                <a:gridCol w="422910">
+                  <a:extLst>
+                    <a:ext uri="{9D8B030D-6E8A-4147-A177-3AD203B41FA5}">
+                      <a16:colId xmlns:a16="http://schemas.microsoft.com/office/drawing/2014/main" val="20004"/>
+                    </a:ext>
+                  </a:extLst>
+                </a:gridCol>
+                <a:gridCol w="422910">
+                  <a:extLst>
+                    <a:ext uri="{9D8B030D-6E8A-4147-A177-3AD203B41FA5}">
+                      <a16:colId xmlns:a16="http://schemas.microsoft.com/office/drawing/2014/main" val="20005"/>
+                    </a:ext>
+                  </a:extLst>
+                </a:gridCol>
+                <a:gridCol w="422910">
+                  <a:extLst>
+                    <a:ext uri="{9D8B030D-6E8A-4147-A177-3AD203B41FA5}">
+                      <a16:colId xmlns:a16="http://schemas.microsoft.com/office/drawing/2014/main" val="20006"/>
+                    </a:ext>
+                  </a:extLst>
+                </a:gridCol>
+                <a:gridCol w="422910">
+                  <a:extLst>
+                    <a:ext uri="{9D8B030D-6E8A-4147-A177-3AD203B41FA5}">
+                      <a16:colId xmlns:a16="http://schemas.microsoft.com/office/drawing/2014/main" val="20007"/>
+                    </a:ext>
+                  </a:extLst>
+                </a:gridCol>
               </a:tblGrid>
               <a:tr h="370840">
                 <a:tc>
@@ -7779,10 +7694,9 @@
                     <a:p>
                       <a:pPr algn="ctr"/>
                       <a:r>
-                        <a:rPr lang="en-US" dirty="0" smtClean="0"/>
+                        <a:rPr lang="en-US" dirty="0"/>
                         <a:t>a</a:t>
                       </a:r>
-                      <a:endParaRPr lang="en-US" dirty="0"/>
                     </a:p>
                   </a:txBody>
                   <a:tcPr/>
@@ -7794,10 +7708,9 @@
                     <a:p>
                       <a:pPr algn="ctr"/>
                       <a:r>
-                        <a:rPr lang="en-US" dirty="0" smtClean="0"/>
+                        <a:rPr lang="en-US" dirty="0"/>
                         <a:t>b</a:t>
                       </a:r>
-                      <a:endParaRPr lang="en-US" dirty="0"/>
                     </a:p>
                   </a:txBody>
                   <a:tcPr/>
@@ -7809,10 +7722,9 @@
                     <a:p>
                       <a:pPr algn="ctr"/>
                       <a:r>
-                        <a:rPr lang="en-US" dirty="0" smtClean="0"/>
+                        <a:rPr lang="en-US" dirty="0"/>
                         <a:t>c</a:t>
                       </a:r>
-                      <a:endParaRPr lang="en-US" dirty="0"/>
                     </a:p>
                   </a:txBody>
                   <a:tcPr/>
@@ -7824,10 +7736,9 @@
                     <a:p>
                       <a:pPr algn="ctr"/>
                       <a:r>
-                        <a:rPr lang="en-US" dirty="0" smtClean="0"/>
+                        <a:rPr lang="en-US" dirty="0"/>
                         <a:t>d</a:t>
                       </a:r>
-                      <a:endParaRPr lang="en-US" dirty="0"/>
                     </a:p>
                   </a:txBody>
                   <a:tcPr/>
@@ -7839,10 +7750,9 @@
                     <a:p>
                       <a:pPr algn="ctr"/>
                       <a:r>
-                        <a:rPr lang="en-US" dirty="0" smtClean="0"/>
+                        <a:rPr lang="en-US" dirty="0"/>
                         <a:t>e</a:t>
                       </a:r>
-                      <a:endParaRPr lang="en-US" dirty="0"/>
                     </a:p>
                   </a:txBody>
                   <a:tcPr/>
@@ -7854,10 +7764,9 @@
                     <a:p>
                       <a:pPr algn="ctr"/>
                       <a:r>
-                        <a:rPr lang="en-US" dirty="0" smtClean="0"/>
+                        <a:rPr lang="en-US" dirty="0"/>
                         <a:t>f</a:t>
                       </a:r>
-                      <a:endParaRPr lang="en-US" dirty="0"/>
                     </a:p>
                   </a:txBody>
                   <a:tcPr/>
@@ -7869,14 +7778,18 @@
                     <a:p>
                       <a:pPr algn="ctr"/>
                       <a:r>
-                        <a:rPr lang="en-US" dirty="0" smtClean="0"/>
+                        <a:rPr lang="en-US" dirty="0"/>
                         <a:t>g</a:t>
                       </a:r>
-                      <a:endParaRPr lang="en-US" dirty="0"/>
                     </a:p>
                   </a:txBody>
                   <a:tcPr/>
                 </a:tc>
+                <a:extLst>
+                  <a:ext uri="{0D108BD9-81ED-4DB2-BD59-A6C34878D82A}">
+                    <a16:rowId xmlns:a16="http://schemas.microsoft.com/office/drawing/2014/main" val="10000"/>
+                  </a:ext>
+                </a:extLst>
               </a:tr>
               <a:tr h="370840">
                 <a:tc>
@@ -7886,10 +7799,9 @@
                     <a:p>
                       <a:pPr algn="ctr"/>
                       <a:r>
-                        <a:rPr lang="en-US" dirty="0" smtClean="0"/>
+                        <a:rPr lang="en-US" dirty="0"/>
                         <a:t>a</a:t>
                       </a:r>
-                      <a:endParaRPr lang="en-US" dirty="0"/>
                     </a:p>
                   </a:txBody>
                   <a:tcPr/>
@@ -7901,10 +7813,9 @@
                     <a:p>
                       <a:pPr algn="ctr"/>
                       <a:r>
-                        <a:rPr lang="en-US" dirty="0" smtClean="0"/>
+                        <a:rPr lang="en-US" dirty="0"/>
                         <a:t>0</a:t>
                       </a:r>
-                      <a:endParaRPr lang="en-US" dirty="0"/>
                     </a:p>
                   </a:txBody>
                   <a:tcPr/>
@@ -7916,18 +7827,13 @@
                     <a:p>
                       <a:pPr algn="ctr"/>
                       <a:r>
-                        <a:rPr lang="en-US" dirty="0" smtClean="0">
+                        <a:rPr lang="en-US" dirty="0">
                           <a:solidFill>
                             <a:srgbClr val="FF0000"/>
                           </a:solidFill>
                         </a:rPr>
                         <a:t>1</a:t>
                       </a:r>
-                      <a:endParaRPr lang="en-US" dirty="0">
-                        <a:solidFill>
-                          <a:srgbClr val="FF0000"/>
-                        </a:solidFill>
-                      </a:endParaRPr>
                     </a:p>
                   </a:txBody>
                   <a:tcPr/>
@@ -7939,18 +7845,13 @@
                     <a:p>
                       <a:pPr algn="ctr"/>
                       <a:r>
-                        <a:rPr lang="en-US" dirty="0" smtClean="0">
+                        <a:rPr lang="en-US" dirty="0">
                           <a:solidFill>
                             <a:srgbClr val="FF0000"/>
                           </a:solidFill>
                         </a:rPr>
                         <a:t>1</a:t>
                       </a:r>
-                      <a:endParaRPr lang="en-US" dirty="0">
-                        <a:solidFill>
-                          <a:srgbClr val="FF0000"/>
-                        </a:solidFill>
-                      </a:endParaRPr>
                     </a:p>
                   </a:txBody>
                   <a:tcPr/>
@@ -7962,18 +7863,13 @@
                     <a:p>
                       <a:pPr algn="ctr"/>
                       <a:r>
-                        <a:rPr lang="en-US" dirty="0" smtClean="0">
+                        <a:rPr lang="en-US" dirty="0">
                           <a:solidFill>
                             <a:schemeClr val="tx1"/>
                           </a:solidFill>
                         </a:rPr>
                         <a:t>0</a:t>
                       </a:r>
-                      <a:endParaRPr lang="en-US" dirty="0">
-                        <a:solidFill>
-                          <a:schemeClr val="tx1"/>
-                        </a:solidFill>
-                      </a:endParaRPr>
                     </a:p>
                   </a:txBody>
                   <a:tcPr/>
@@ -7985,10 +7881,9 @@
                     <a:p>
                       <a:pPr algn="ctr"/>
                       <a:r>
-                        <a:rPr lang="en-US" dirty="0" smtClean="0"/>
+                        <a:rPr lang="en-US" dirty="0"/>
                         <a:t>0</a:t>
                       </a:r>
-                      <a:endParaRPr lang="en-US" dirty="0"/>
                     </a:p>
                   </a:txBody>
                   <a:tcPr/>
@@ -8000,10 +7895,9 @@
                     <a:p>
                       <a:pPr algn="ctr"/>
                       <a:r>
-                        <a:rPr lang="en-US" dirty="0" smtClean="0"/>
+                        <a:rPr lang="en-US" dirty="0"/>
                         <a:t>0</a:t>
                       </a:r>
-                      <a:endParaRPr lang="en-US" dirty="0"/>
                     </a:p>
                   </a:txBody>
                   <a:tcPr/>
@@ -8015,14 +7909,18 @@
                     <a:p>
                       <a:pPr algn="ctr"/>
                       <a:r>
-                        <a:rPr lang="en-US" dirty="0" smtClean="0"/>
+                        <a:rPr lang="en-US" dirty="0"/>
                         <a:t>0</a:t>
                       </a:r>
-                      <a:endParaRPr lang="en-US" dirty="0"/>
                     </a:p>
                   </a:txBody>
                   <a:tcPr/>
                 </a:tc>
+                <a:extLst>
+                  <a:ext uri="{0D108BD9-81ED-4DB2-BD59-A6C34878D82A}">
+                    <a16:rowId xmlns:a16="http://schemas.microsoft.com/office/drawing/2014/main" val="10001"/>
+                  </a:ext>
+                </a:extLst>
               </a:tr>
               <a:tr h="370840">
                 <a:tc>
@@ -8032,10 +7930,9 @@
                     <a:p>
                       <a:pPr algn="ctr"/>
                       <a:r>
-                        <a:rPr lang="en-US" dirty="0" smtClean="0"/>
+                        <a:rPr lang="en-US" dirty="0"/>
                         <a:t>b</a:t>
                       </a:r>
-                      <a:endParaRPr lang="en-US" dirty="0"/>
                     </a:p>
                   </a:txBody>
                   <a:tcPr/>
@@ -8047,10 +7944,9 @@
                     <a:p>
                       <a:pPr algn="ctr"/>
                       <a:r>
-                        <a:rPr lang="en-US" dirty="0" smtClean="0"/>
+                        <a:rPr lang="en-US" dirty="0"/>
                         <a:t>0</a:t>
                       </a:r>
-                      <a:endParaRPr lang="en-US" dirty="0"/>
                     </a:p>
                   </a:txBody>
                   <a:tcPr/>
@@ -8062,10 +7958,9 @@
                     <a:p>
                       <a:pPr algn="ctr"/>
                       <a:r>
-                        <a:rPr lang="en-US" dirty="0" smtClean="0"/>
+                        <a:rPr lang="en-US" dirty="0"/>
                         <a:t>0</a:t>
                       </a:r>
-                      <a:endParaRPr lang="en-US" dirty="0"/>
                     </a:p>
                   </a:txBody>
                   <a:tcPr/>
@@ -8077,10 +7972,9 @@
                     <a:p>
                       <a:pPr algn="ctr"/>
                       <a:r>
-                        <a:rPr lang="en-US" dirty="0" smtClean="0"/>
+                        <a:rPr lang="en-US" dirty="0"/>
                         <a:t>0</a:t>
                       </a:r>
-                      <a:endParaRPr lang="en-US" dirty="0"/>
                     </a:p>
                   </a:txBody>
                   <a:tcPr/>
@@ -8092,10 +7986,9 @@
                     <a:p>
                       <a:pPr algn="ctr"/>
                       <a:r>
-                        <a:rPr lang="en-US" dirty="0" smtClean="0"/>
+                        <a:rPr lang="en-US" dirty="0"/>
                         <a:t>0</a:t>
                       </a:r>
-                      <a:endParaRPr lang="en-US" dirty="0"/>
                     </a:p>
                   </a:txBody>
                   <a:tcPr/>
@@ -8107,18 +8000,13 @@
                     <a:p>
                       <a:pPr algn="ctr"/>
                       <a:r>
-                        <a:rPr lang="en-US" dirty="0" smtClean="0">
+                        <a:rPr lang="en-US" dirty="0">
                           <a:solidFill>
                             <a:srgbClr val="FF0000"/>
                           </a:solidFill>
                         </a:rPr>
                         <a:t>1</a:t>
                       </a:r>
-                      <a:endParaRPr lang="en-US" dirty="0">
-                        <a:solidFill>
-                          <a:srgbClr val="FF0000"/>
-                        </a:solidFill>
-                      </a:endParaRPr>
                     </a:p>
                   </a:txBody>
                   <a:tcPr/>
@@ -8130,10 +8018,9 @@
                     <a:p>
                       <a:pPr algn="ctr"/>
                       <a:r>
-                        <a:rPr lang="en-US" dirty="0" smtClean="0"/>
+                        <a:rPr lang="en-US" dirty="0"/>
                         <a:t>0</a:t>
                       </a:r>
-                      <a:endParaRPr lang="en-US" dirty="0"/>
                     </a:p>
                   </a:txBody>
                   <a:tcPr/>
@@ -8145,14 +8032,18 @@
                     <a:p>
                       <a:pPr algn="ctr"/>
                       <a:r>
-                        <a:rPr lang="en-US" dirty="0" smtClean="0"/>
+                        <a:rPr lang="en-US" dirty="0"/>
                         <a:t>0</a:t>
                       </a:r>
-                      <a:endParaRPr lang="en-US" dirty="0"/>
                     </a:p>
                   </a:txBody>
                   <a:tcPr/>
                 </a:tc>
+                <a:extLst>
+                  <a:ext uri="{0D108BD9-81ED-4DB2-BD59-A6C34878D82A}">
+                    <a16:rowId xmlns:a16="http://schemas.microsoft.com/office/drawing/2014/main" val="10002"/>
+                  </a:ext>
+                </a:extLst>
               </a:tr>
               <a:tr h="370840">
                 <a:tc>
@@ -8162,10 +8053,9 @@
                     <a:p>
                       <a:pPr algn="ctr"/>
                       <a:r>
-                        <a:rPr lang="en-US" dirty="0" smtClean="0"/>
+                        <a:rPr lang="en-US" dirty="0"/>
                         <a:t>c</a:t>
                       </a:r>
-                      <a:endParaRPr lang="en-US" dirty="0"/>
                     </a:p>
                   </a:txBody>
                   <a:tcPr/>
@@ -8177,10 +8067,9 @@
                     <a:p>
                       <a:pPr algn="ctr"/>
                       <a:r>
-                        <a:rPr lang="en-US" dirty="0" smtClean="0"/>
+                        <a:rPr lang="en-US" dirty="0"/>
                         <a:t>0</a:t>
                       </a:r>
-                      <a:endParaRPr lang="en-US" dirty="0"/>
                     </a:p>
                   </a:txBody>
                   <a:tcPr/>
@@ -8192,10 +8081,9 @@
                     <a:p>
                       <a:pPr algn="ctr"/>
                       <a:r>
-                        <a:rPr lang="en-US" dirty="0" smtClean="0"/>
+                        <a:rPr lang="en-US" dirty="0"/>
                         <a:t>0</a:t>
                       </a:r>
-                      <a:endParaRPr lang="en-US" dirty="0"/>
                     </a:p>
                   </a:txBody>
                   <a:tcPr/>
@@ -8207,10 +8095,9 @@
                     <a:p>
                       <a:pPr algn="ctr"/>
                       <a:r>
-                        <a:rPr lang="en-US" dirty="0" smtClean="0"/>
+                        <a:rPr lang="en-US" dirty="0"/>
                         <a:t>0</a:t>
                       </a:r>
-                      <a:endParaRPr lang="en-US" dirty="0"/>
                     </a:p>
                   </a:txBody>
                   <a:tcPr/>
@@ -8222,10 +8109,9 @@
                     <a:p>
                       <a:pPr algn="ctr"/>
                       <a:r>
-                        <a:rPr lang="en-US" dirty="0" smtClean="0"/>
+                        <a:rPr lang="en-US" dirty="0"/>
                         <a:t>0</a:t>
                       </a:r>
-                      <a:endParaRPr lang="en-US" dirty="0"/>
                     </a:p>
                   </a:txBody>
                   <a:tcPr/>
@@ -8237,18 +8123,13 @@
                     <a:p>
                       <a:pPr algn="ctr"/>
                       <a:r>
-                        <a:rPr lang="en-US" dirty="0" smtClean="0">
+                        <a:rPr lang="en-US" dirty="0">
                           <a:solidFill>
                             <a:schemeClr val="tx1"/>
                           </a:solidFill>
                         </a:rPr>
                         <a:t>0</a:t>
                       </a:r>
-                      <a:endParaRPr lang="en-US" dirty="0">
-                        <a:solidFill>
-                          <a:schemeClr val="tx1"/>
-                        </a:solidFill>
-                      </a:endParaRPr>
                     </a:p>
                   </a:txBody>
                   <a:tcPr/>
@@ -8260,18 +8141,13 @@
                     <a:p>
                       <a:pPr algn="ctr"/>
                       <a:r>
-                        <a:rPr lang="en-US" dirty="0" smtClean="0">
+                        <a:rPr lang="en-US" dirty="0">
                           <a:solidFill>
                             <a:schemeClr val="tx1"/>
                           </a:solidFill>
                         </a:rPr>
                         <a:t>0</a:t>
                       </a:r>
-                      <a:endParaRPr lang="en-US" dirty="0">
-                        <a:solidFill>
-                          <a:schemeClr val="tx1"/>
-                        </a:solidFill>
-                      </a:endParaRPr>
                     </a:p>
                   </a:txBody>
                   <a:tcPr/>
@@ -8283,22 +8159,22 @@
                     <a:p>
                       <a:pPr algn="ctr"/>
                       <a:r>
-                        <a:rPr lang="en-US" dirty="0" smtClean="0">
+                        <a:rPr lang="en-US" dirty="0">
                           <a:solidFill>
                             <a:schemeClr val="tx1"/>
                           </a:solidFill>
                         </a:rPr>
                         <a:t>0</a:t>
                       </a:r>
-                      <a:endParaRPr lang="en-US" dirty="0">
-                        <a:solidFill>
-                          <a:schemeClr val="tx1"/>
-                        </a:solidFill>
-                      </a:endParaRPr>
                     </a:p>
                   </a:txBody>
                   <a:tcPr/>
                 </a:tc>
+                <a:extLst>
+                  <a:ext uri="{0D108BD9-81ED-4DB2-BD59-A6C34878D82A}">
+                    <a16:rowId xmlns:a16="http://schemas.microsoft.com/office/drawing/2014/main" val="10003"/>
+                  </a:ext>
+                </a:extLst>
               </a:tr>
               <a:tr h="370840">
                 <a:tc>
@@ -8308,10 +8184,9 @@
                     <a:p>
                       <a:pPr algn="ctr"/>
                       <a:r>
-                        <a:rPr lang="en-US" dirty="0" smtClean="0"/>
+                        <a:rPr lang="en-US" dirty="0"/>
                         <a:t>d</a:t>
                       </a:r>
-                      <a:endParaRPr lang="en-US" dirty="0"/>
                     </a:p>
                   </a:txBody>
                   <a:tcPr/>
@@ -8323,18 +8198,13 @@
                     <a:p>
                       <a:pPr algn="ctr"/>
                       <a:r>
-                        <a:rPr lang="en-US" dirty="0" smtClean="0">
+                        <a:rPr lang="en-US" dirty="0">
                           <a:solidFill>
                             <a:srgbClr val="FF0000"/>
                           </a:solidFill>
                         </a:rPr>
                         <a:t>1</a:t>
                       </a:r>
-                      <a:endParaRPr lang="en-US" dirty="0">
-                        <a:solidFill>
-                          <a:srgbClr val="FF0000"/>
-                        </a:solidFill>
-                      </a:endParaRPr>
                     </a:p>
                   </a:txBody>
                   <a:tcPr/>
@@ -8346,10 +8216,9 @@
                     <a:p>
                       <a:pPr algn="ctr"/>
                       <a:r>
-                        <a:rPr lang="en-US" dirty="0" smtClean="0"/>
+                        <a:rPr lang="en-US" dirty="0"/>
                         <a:t>0</a:t>
                       </a:r>
-                      <a:endParaRPr lang="en-US" dirty="0"/>
                     </a:p>
                   </a:txBody>
                   <a:tcPr/>
@@ -8361,18 +8230,13 @@
                     <a:p>
                       <a:pPr algn="ctr"/>
                       <a:r>
-                        <a:rPr lang="en-US" dirty="0" smtClean="0">
+                        <a:rPr lang="en-US" dirty="0">
                           <a:solidFill>
                             <a:srgbClr val="FF0000"/>
                           </a:solidFill>
                         </a:rPr>
                         <a:t>1</a:t>
                       </a:r>
-                      <a:endParaRPr lang="en-US" dirty="0">
-                        <a:solidFill>
-                          <a:srgbClr val="FF0000"/>
-                        </a:solidFill>
-                      </a:endParaRPr>
                     </a:p>
                   </a:txBody>
                   <a:tcPr/>
@@ -8384,10 +8248,9 @@
                     <a:p>
                       <a:pPr algn="ctr"/>
                       <a:r>
-                        <a:rPr lang="en-US" dirty="0" smtClean="0"/>
+                        <a:rPr lang="en-US" dirty="0"/>
                         <a:t>0</a:t>
                       </a:r>
-                      <a:endParaRPr lang="en-US" dirty="0"/>
                     </a:p>
                   </a:txBody>
                   <a:tcPr/>
@@ -8399,10 +8262,9 @@
                     <a:p>
                       <a:pPr algn="ctr"/>
                       <a:r>
-                        <a:rPr lang="en-US" dirty="0" smtClean="0"/>
+                        <a:rPr lang="en-US" dirty="0"/>
                         <a:t>0</a:t>
                       </a:r>
-                      <a:endParaRPr lang="en-US" dirty="0"/>
                     </a:p>
                   </a:txBody>
                   <a:tcPr/>
@@ -8414,10 +8276,9 @@
                     <a:p>
                       <a:pPr algn="ctr"/>
                       <a:r>
-                        <a:rPr lang="en-US" dirty="0" smtClean="0"/>
+                        <a:rPr lang="en-US" dirty="0"/>
                         <a:t>0</a:t>
                       </a:r>
-                      <a:endParaRPr lang="en-US" dirty="0"/>
                     </a:p>
                   </a:txBody>
                   <a:tcPr/>
@@ -8429,14 +8290,18 @@
                     <a:p>
                       <a:pPr algn="ctr"/>
                       <a:r>
-                        <a:rPr lang="en-US" dirty="0" smtClean="0"/>
+                        <a:rPr lang="en-US" dirty="0"/>
                         <a:t>0</a:t>
                       </a:r>
-                      <a:endParaRPr lang="en-US" dirty="0"/>
                     </a:p>
                   </a:txBody>
                   <a:tcPr/>
                 </a:tc>
+                <a:extLst>
+                  <a:ext uri="{0D108BD9-81ED-4DB2-BD59-A6C34878D82A}">
+                    <a16:rowId xmlns:a16="http://schemas.microsoft.com/office/drawing/2014/main" val="10004"/>
+                  </a:ext>
+                </a:extLst>
               </a:tr>
               <a:tr h="370840">
                 <a:tc>
@@ -8446,10 +8311,9 @@
                     <a:p>
                       <a:pPr algn="ctr"/>
                       <a:r>
-                        <a:rPr lang="en-US" dirty="0" smtClean="0"/>
+                        <a:rPr lang="en-US" dirty="0"/>
                         <a:t>e</a:t>
                       </a:r>
-                      <a:endParaRPr lang="en-US" dirty="0"/>
                     </a:p>
                   </a:txBody>
                   <a:tcPr/>
@@ -8461,10 +8325,9 @@
                     <a:p>
                       <a:pPr algn="ctr"/>
                       <a:r>
-                        <a:rPr lang="en-US" dirty="0" smtClean="0"/>
+                        <a:rPr lang="en-US" dirty="0"/>
                         <a:t>0</a:t>
                       </a:r>
-                      <a:endParaRPr lang="en-US" dirty="0"/>
                     </a:p>
                   </a:txBody>
                   <a:tcPr/>
@@ -8476,10 +8339,9 @@
                     <a:p>
                       <a:pPr algn="ctr"/>
                       <a:r>
-                        <a:rPr lang="en-US" dirty="0" smtClean="0"/>
+                        <a:rPr lang="en-US" dirty="0"/>
                         <a:t>0</a:t>
                       </a:r>
-                      <a:endParaRPr lang="en-US" dirty="0"/>
                     </a:p>
                   </a:txBody>
                   <a:tcPr/>
@@ -8491,10 +8353,9 @@
                     <a:p>
                       <a:pPr algn="ctr"/>
                       <a:r>
-                        <a:rPr lang="en-US" dirty="0" smtClean="0"/>
+                        <a:rPr lang="en-US" dirty="0"/>
                         <a:t>0</a:t>
                       </a:r>
-                      <a:endParaRPr lang="en-US" dirty="0"/>
                     </a:p>
                   </a:txBody>
                   <a:tcPr/>
@@ -8506,18 +8367,13 @@
                     <a:p>
                       <a:pPr algn="ctr"/>
                       <a:r>
-                        <a:rPr lang="en-US" dirty="0" smtClean="0">
+                        <a:rPr lang="en-US" dirty="0">
                           <a:solidFill>
                             <a:srgbClr val="FF0000"/>
                           </a:solidFill>
                         </a:rPr>
                         <a:t>1</a:t>
                       </a:r>
-                      <a:endParaRPr lang="en-US" dirty="0">
-                        <a:solidFill>
-                          <a:srgbClr val="FF0000"/>
-                        </a:solidFill>
-                      </a:endParaRPr>
                     </a:p>
                   </a:txBody>
                   <a:tcPr/>
@@ -8529,10 +8385,9 @@
                     <a:p>
                       <a:pPr algn="ctr"/>
                       <a:r>
-                        <a:rPr lang="en-US" dirty="0" smtClean="0"/>
+                        <a:rPr lang="en-US" dirty="0"/>
                         <a:t>0</a:t>
                       </a:r>
-                      <a:endParaRPr lang="en-US" dirty="0"/>
                     </a:p>
                   </a:txBody>
                   <a:tcPr/>
@@ -8544,10 +8399,9 @@
                     <a:p>
                       <a:pPr algn="ctr"/>
                       <a:r>
-                        <a:rPr lang="en-US" dirty="0" smtClean="0"/>
+                        <a:rPr lang="en-US" dirty="0"/>
                         <a:t>0</a:t>
                       </a:r>
-                      <a:endParaRPr lang="en-US" dirty="0"/>
                     </a:p>
                   </a:txBody>
                   <a:tcPr/>
@@ -8559,22 +8413,22 @@
                     <a:p>
                       <a:pPr algn="ctr"/>
                       <a:r>
-                        <a:rPr lang="en-US" dirty="0" smtClean="0">
+                        <a:rPr lang="en-US" dirty="0">
                           <a:solidFill>
                             <a:srgbClr val="FF0000"/>
                           </a:solidFill>
                         </a:rPr>
                         <a:t>1</a:t>
                       </a:r>
-                      <a:endParaRPr lang="en-US" dirty="0">
-                        <a:solidFill>
-                          <a:srgbClr val="FF0000"/>
-                        </a:solidFill>
-                      </a:endParaRPr>
                     </a:p>
                   </a:txBody>
                   <a:tcPr/>
                 </a:tc>
+                <a:extLst>
+                  <a:ext uri="{0D108BD9-81ED-4DB2-BD59-A6C34878D82A}">
+                    <a16:rowId xmlns:a16="http://schemas.microsoft.com/office/drawing/2014/main" val="10005"/>
+                  </a:ext>
+                </a:extLst>
               </a:tr>
               <a:tr h="370840">
                 <a:tc>
@@ -8584,10 +8438,9 @@
                     <a:p>
                       <a:pPr algn="ctr"/>
                       <a:r>
-                        <a:rPr lang="en-US" dirty="0" smtClean="0"/>
+                        <a:rPr lang="en-US" dirty="0"/>
                         <a:t>f</a:t>
                       </a:r>
-                      <a:endParaRPr lang="en-US" dirty="0"/>
                     </a:p>
                   </a:txBody>
                   <a:tcPr/>
@@ -8599,10 +8452,9 @@
                     <a:p>
                       <a:pPr algn="ctr"/>
                       <a:r>
-                        <a:rPr lang="en-US" dirty="0" smtClean="0"/>
+                        <a:rPr lang="en-US" dirty="0"/>
                         <a:t>0</a:t>
                       </a:r>
-                      <a:endParaRPr lang="en-US" dirty="0"/>
                     </a:p>
                   </a:txBody>
                   <a:tcPr/>
@@ -8614,10 +8466,9 @@
                     <a:p>
                       <a:pPr algn="ctr"/>
                       <a:r>
-                        <a:rPr lang="en-US" dirty="0" smtClean="0"/>
+                        <a:rPr lang="en-US" dirty="0"/>
                         <a:t>0</a:t>
                       </a:r>
-                      <a:endParaRPr lang="en-US" dirty="0"/>
                     </a:p>
                   </a:txBody>
                   <a:tcPr/>
@@ -8629,18 +8480,13 @@
                     <a:p>
                       <a:pPr algn="ctr"/>
                       <a:r>
-                        <a:rPr lang="en-US" dirty="0" smtClean="0">
+                        <a:rPr lang="en-US" dirty="0">
                           <a:solidFill>
                             <a:srgbClr val="FF0000"/>
                           </a:solidFill>
                         </a:rPr>
                         <a:t>1</a:t>
                       </a:r>
-                      <a:endParaRPr lang="en-US" dirty="0">
-                        <a:solidFill>
-                          <a:srgbClr val="FF0000"/>
-                        </a:solidFill>
-                      </a:endParaRPr>
                     </a:p>
                   </a:txBody>
                   <a:tcPr/>
@@ -8652,10 +8498,9 @@
                     <a:p>
                       <a:pPr algn="ctr"/>
                       <a:r>
-                        <a:rPr lang="en-US" dirty="0" smtClean="0"/>
+                        <a:rPr lang="en-US" dirty="0"/>
                         <a:t>0</a:t>
                       </a:r>
-                      <a:endParaRPr lang="en-US" dirty="0"/>
                     </a:p>
                   </a:txBody>
                   <a:tcPr/>
@@ -8667,10 +8512,9 @@
                     <a:p>
                       <a:pPr algn="ctr"/>
                       <a:r>
-                        <a:rPr lang="en-US" dirty="0" smtClean="0"/>
+                        <a:rPr lang="en-US" dirty="0"/>
                         <a:t>0</a:t>
                       </a:r>
-                      <a:endParaRPr lang="en-US" dirty="0"/>
                     </a:p>
                   </a:txBody>
                   <a:tcPr/>
@@ -8682,10 +8526,9 @@
                     <a:p>
                       <a:pPr algn="ctr"/>
                       <a:r>
-                        <a:rPr lang="en-US" dirty="0" smtClean="0"/>
+                        <a:rPr lang="en-US" dirty="0"/>
                         <a:t>0</a:t>
                       </a:r>
-                      <a:endParaRPr lang="en-US" dirty="0"/>
                     </a:p>
                   </a:txBody>
                   <a:tcPr/>
@@ -8697,14 +8540,18 @@
                     <a:p>
                       <a:pPr algn="ctr"/>
                       <a:r>
-                        <a:rPr lang="en-US" dirty="0" smtClean="0"/>
+                        <a:rPr lang="en-US" dirty="0"/>
                         <a:t>0</a:t>
                       </a:r>
-                      <a:endParaRPr lang="en-US" dirty="0"/>
                     </a:p>
                   </a:txBody>
                   <a:tcPr/>
                 </a:tc>
+                <a:extLst>
+                  <a:ext uri="{0D108BD9-81ED-4DB2-BD59-A6C34878D82A}">
+                    <a16:rowId xmlns:a16="http://schemas.microsoft.com/office/drawing/2014/main" val="10006"/>
+                  </a:ext>
+                </a:extLst>
               </a:tr>
               <a:tr h="370840">
                 <a:tc>
@@ -8714,10 +8561,9 @@
                     <a:p>
                       <a:pPr algn="ctr"/>
                       <a:r>
-                        <a:rPr lang="en-US" dirty="0" smtClean="0"/>
+                        <a:rPr lang="en-US" dirty="0"/>
                         <a:t>g</a:t>
                       </a:r>
-                      <a:endParaRPr lang="en-US" dirty="0"/>
                     </a:p>
                   </a:txBody>
                   <a:tcPr/>
@@ -8729,10 +8575,9 @@
                     <a:p>
                       <a:pPr algn="ctr"/>
                       <a:r>
-                        <a:rPr lang="en-US" dirty="0" smtClean="0"/>
+                        <a:rPr lang="en-US" dirty="0"/>
                         <a:t>0</a:t>
                       </a:r>
-                      <a:endParaRPr lang="en-US" dirty="0"/>
                     </a:p>
                   </a:txBody>
                   <a:tcPr/>
@@ -8744,10 +8589,9 @@
                     <a:p>
                       <a:pPr algn="ctr"/>
                       <a:r>
-                        <a:rPr lang="en-US" dirty="0" smtClean="0"/>
+                        <a:rPr lang="en-US" dirty="0"/>
                         <a:t>0</a:t>
                       </a:r>
-                      <a:endParaRPr lang="en-US" dirty="0"/>
                     </a:p>
                   </a:txBody>
                   <a:tcPr/>
@@ -8759,10 +8603,9 @@
                     <a:p>
                       <a:pPr algn="ctr"/>
                       <a:r>
-                        <a:rPr lang="en-US" dirty="0" smtClean="0"/>
+                        <a:rPr lang="en-US" dirty="0"/>
                         <a:t>0</a:t>
                       </a:r>
-                      <a:endParaRPr lang="en-US" dirty="0"/>
                     </a:p>
                   </a:txBody>
                   <a:tcPr/>
@@ -8774,10 +8617,9 @@
                     <a:p>
                       <a:pPr algn="ctr"/>
                       <a:r>
-                        <a:rPr lang="en-US" dirty="0" smtClean="0"/>
+                        <a:rPr lang="en-US" dirty="0"/>
                         <a:t>0</a:t>
                       </a:r>
-                      <a:endParaRPr lang="en-US" dirty="0"/>
                     </a:p>
                   </a:txBody>
                   <a:tcPr/>
@@ -8789,18 +8631,13 @@
                     <a:p>
                       <a:pPr algn="ctr"/>
                       <a:r>
-                        <a:rPr lang="en-US" dirty="0" smtClean="0">
+                        <a:rPr lang="en-US" dirty="0">
                           <a:solidFill>
                             <a:srgbClr val="FF0000"/>
                           </a:solidFill>
                         </a:rPr>
                         <a:t>1</a:t>
                       </a:r>
-                      <a:endParaRPr lang="en-US" dirty="0">
-                        <a:solidFill>
-                          <a:srgbClr val="FF0000"/>
-                        </a:solidFill>
-                      </a:endParaRPr>
                     </a:p>
                   </a:txBody>
                   <a:tcPr/>
@@ -8812,18 +8649,13 @@
                     <a:p>
                       <a:pPr algn="ctr"/>
                       <a:r>
-                        <a:rPr lang="en-US" dirty="0" smtClean="0">
+                        <a:rPr lang="en-US" dirty="0">
                           <a:solidFill>
                             <a:srgbClr val="FF0000"/>
                           </a:solidFill>
                         </a:rPr>
                         <a:t>1</a:t>
                       </a:r>
-                      <a:endParaRPr lang="en-US" dirty="0">
-                        <a:solidFill>
-                          <a:srgbClr val="FF0000"/>
-                        </a:solidFill>
-                      </a:endParaRPr>
                     </a:p>
                   </a:txBody>
                   <a:tcPr/>
@@ -8835,14 +8667,18 @@
                     <a:p>
                       <a:pPr algn="ctr"/>
                       <a:r>
-                        <a:rPr lang="en-US" dirty="0" smtClean="0"/>
+                        <a:rPr lang="en-US" dirty="0"/>
                         <a:t>0</a:t>
                       </a:r>
-                      <a:endParaRPr lang="en-US" dirty="0"/>
                     </a:p>
                   </a:txBody>
                   <a:tcPr/>
                 </a:tc>
+                <a:extLst>
+                  <a:ext uri="{0D108BD9-81ED-4DB2-BD59-A6C34878D82A}">
+                    <a16:rowId xmlns:a16="http://schemas.microsoft.com/office/drawing/2014/main" val="10007"/>
+                  </a:ext>
+                </a:extLst>
               </a:tr>
             </a:tbl>
           </a:graphicData>
@@ -8921,18 +8757,13 @@
           <a:p>
             <a:pPr algn="ctr"/>
             <a:r>
-              <a:rPr lang="en-US" sz="2800" dirty="0" smtClean="0">
+              <a:rPr lang="en-US" sz="2800" dirty="0">
                 <a:solidFill>
                   <a:schemeClr val="tx1"/>
                 </a:solidFill>
               </a:rPr>
               <a:t>a</a:t>
             </a:r>
-            <a:endParaRPr lang="en-US" sz="2800" dirty="0">
-              <a:solidFill>
-                <a:schemeClr val="tx1"/>
-              </a:solidFill>
-            </a:endParaRPr>
           </a:p>
         </p:txBody>
       </p:sp>
@@ -8979,18 +8810,13 @@
           <a:p>
             <a:pPr algn="ctr"/>
             <a:r>
-              <a:rPr lang="en-US" sz="2800" dirty="0" smtClean="0">
+              <a:rPr lang="en-US" sz="2800" dirty="0">
                 <a:solidFill>
                   <a:schemeClr val="tx1"/>
                 </a:solidFill>
               </a:rPr>
               <a:t>b</a:t>
             </a:r>
-            <a:endParaRPr lang="en-US" sz="2800" dirty="0">
-              <a:solidFill>
-                <a:schemeClr val="tx1"/>
-              </a:solidFill>
-            </a:endParaRPr>
           </a:p>
         </p:txBody>
       </p:sp>
@@ -9037,18 +8863,13 @@
           <a:p>
             <a:pPr algn="ctr"/>
             <a:r>
-              <a:rPr lang="en-US" sz="2800" dirty="0" smtClean="0">
+              <a:rPr lang="en-US" sz="2800" dirty="0">
                 <a:solidFill>
                   <a:schemeClr val="tx1"/>
                 </a:solidFill>
               </a:rPr>
               <a:t>c</a:t>
             </a:r>
-            <a:endParaRPr lang="en-US" sz="2800" dirty="0">
-              <a:solidFill>
-                <a:schemeClr val="tx1"/>
-              </a:solidFill>
-            </a:endParaRPr>
           </a:p>
         </p:txBody>
       </p:sp>
@@ -9095,18 +8916,13 @@
           <a:p>
             <a:pPr algn="ctr"/>
             <a:r>
-              <a:rPr lang="en-US" sz="2800" dirty="0" smtClean="0">
+              <a:rPr lang="en-US" sz="2800" dirty="0">
                 <a:solidFill>
                   <a:schemeClr val="tx1"/>
                 </a:solidFill>
               </a:rPr>
               <a:t>d</a:t>
             </a:r>
-            <a:endParaRPr lang="en-US" sz="2800" dirty="0">
-              <a:solidFill>
-                <a:schemeClr val="tx1"/>
-              </a:solidFill>
-            </a:endParaRPr>
           </a:p>
         </p:txBody>
       </p:sp>
@@ -9387,18 +9203,13 @@
           <a:p>
             <a:pPr algn="ctr"/>
             <a:r>
-              <a:rPr lang="en-US" sz="2800" dirty="0" smtClean="0">
+              <a:rPr lang="en-US" sz="2800" dirty="0">
                 <a:solidFill>
                   <a:schemeClr val="tx1"/>
                 </a:solidFill>
               </a:rPr>
               <a:t>e</a:t>
             </a:r>
-            <a:endParaRPr lang="en-US" sz="2800" dirty="0">
-              <a:solidFill>
-                <a:schemeClr val="tx1"/>
-              </a:solidFill>
-            </a:endParaRPr>
           </a:p>
         </p:txBody>
       </p:sp>
@@ -9445,18 +9256,13 @@
           <a:p>
             <a:pPr algn="ctr"/>
             <a:r>
-              <a:rPr lang="en-US" sz="2800" dirty="0" smtClean="0">
+              <a:rPr lang="en-US" sz="2800" dirty="0">
                 <a:solidFill>
                   <a:schemeClr val="tx1"/>
                 </a:solidFill>
               </a:rPr>
               <a:t>f</a:t>
             </a:r>
-            <a:endParaRPr lang="en-US" sz="2800" dirty="0">
-              <a:solidFill>
-                <a:schemeClr val="tx1"/>
-              </a:solidFill>
-            </a:endParaRPr>
           </a:p>
         </p:txBody>
       </p:sp>
@@ -9542,18 +9348,13 @@
           <a:p>
             <a:pPr algn="ctr"/>
             <a:r>
-              <a:rPr lang="en-US" sz="2800" dirty="0" smtClean="0">
+              <a:rPr lang="en-US" sz="2800" dirty="0">
                 <a:solidFill>
                   <a:schemeClr val="tx1"/>
                 </a:solidFill>
               </a:rPr>
               <a:t>g</a:t>
             </a:r>
-            <a:endParaRPr lang="en-US" sz="2800" dirty="0">
-              <a:solidFill>
-                <a:schemeClr val="tx1"/>
-              </a:solidFill>
-            </a:endParaRPr>
           </a:p>
         </p:txBody>
       </p:sp>
@@ -9697,7 +9498,7 @@
           <a:lstStyle/>
           <a:p>
             <a:r>
-              <a:rPr lang="en-US" sz="2800" b="1" dirty="0" smtClean="0">
+              <a:rPr lang="en-US" sz="2800" b="1" dirty="0">
                 <a:latin typeface="Courier New" panose="02070309020205020404" pitchFamily="49" charset="0"/>
                 <a:cs typeface="Courier New" panose="02070309020205020404" pitchFamily="49" charset="0"/>
               </a:rPr>
@@ -9706,7 +9507,7 @@
           </a:p>
           <a:p>
             <a:r>
-              <a:rPr lang="en-US" sz="2800" b="1" dirty="0" smtClean="0">
+              <a:rPr lang="en-US" sz="2800" b="1" dirty="0">
                 <a:latin typeface="Courier New" panose="02070309020205020404" pitchFamily="49" charset="0"/>
                 <a:cs typeface="Courier New" panose="02070309020205020404" pitchFamily="49" charset="0"/>
               </a:rPr>
@@ -9715,7 +9516,7 @@
           </a:p>
           <a:p>
             <a:r>
-              <a:rPr lang="en-US" sz="2800" b="1" dirty="0" smtClean="0">
+              <a:rPr lang="en-US" sz="2800" b="1" dirty="0">
                 <a:latin typeface="Courier New" panose="02070309020205020404" pitchFamily="49" charset="0"/>
                 <a:cs typeface="Courier New" panose="02070309020205020404" pitchFamily="49" charset="0"/>
               </a:rPr>
@@ -9724,7 +9525,7 @@
           </a:p>
           <a:p>
             <a:r>
-              <a:rPr lang="en-US" sz="2800" b="1" dirty="0" smtClean="0">
+              <a:rPr lang="en-US" sz="2800" b="1" dirty="0">
                 <a:latin typeface="Courier New" panose="02070309020205020404" pitchFamily="49" charset="0"/>
                 <a:cs typeface="Courier New" panose="02070309020205020404" pitchFamily="49" charset="0"/>
               </a:rPr>
@@ -9733,7 +9534,7 @@
           </a:p>
           <a:p>
             <a:r>
-              <a:rPr lang="en-US" sz="2800" b="1" dirty="0" smtClean="0">
+              <a:rPr lang="en-US" sz="2800" b="1" dirty="0">
                 <a:latin typeface="Courier New" panose="02070309020205020404" pitchFamily="49" charset="0"/>
                 <a:cs typeface="Courier New" panose="02070309020205020404" pitchFamily="49" charset="0"/>
               </a:rPr>
@@ -9742,7 +9543,7 @@
           </a:p>
           <a:p>
             <a:r>
-              <a:rPr lang="en-US" sz="2800" b="1" dirty="0" smtClean="0">
+              <a:rPr lang="en-US" sz="2800" b="1" dirty="0">
                 <a:latin typeface="Courier New" panose="02070309020205020404" pitchFamily="49" charset="0"/>
                 <a:cs typeface="Courier New" panose="02070309020205020404" pitchFamily="49" charset="0"/>
               </a:rPr>
@@ -9751,16 +9552,12 @@
           </a:p>
           <a:p>
             <a:r>
-              <a:rPr lang="en-US" sz="2800" b="1" dirty="0" smtClean="0">
+              <a:rPr lang="en-US" sz="2800" b="1" dirty="0">
                 <a:latin typeface="Courier New" panose="02070309020205020404" pitchFamily="49" charset="0"/>
                 <a:cs typeface="Courier New" panose="02070309020205020404" pitchFamily="49" charset="0"/>
               </a:rPr>
               <a:t>g: {e, f}</a:t>
             </a:r>
-            <a:endParaRPr lang="en-US" sz="2800" b="1" dirty="0">
-              <a:latin typeface="Courier New" panose="02070309020205020404" pitchFamily="49" charset="0"/>
-              <a:cs typeface="Courier New" panose="02070309020205020404" pitchFamily="49" charset="0"/>
-            </a:endParaRPr>
           </a:p>
         </p:txBody>
       </p:sp>
@@ -10325,18 +10122,13 @@
           <a:p>
             <a:pPr algn="ctr"/>
             <a:r>
-              <a:rPr lang="en-US" sz="2800" dirty="0" smtClean="0">
+              <a:rPr lang="en-US" sz="2800" dirty="0">
                 <a:solidFill>
                   <a:schemeClr val="tx1"/>
                 </a:solidFill>
               </a:rPr>
               <a:t>e</a:t>
             </a:r>
-            <a:endParaRPr lang="en-US" sz="2800" dirty="0">
-              <a:solidFill>
-                <a:schemeClr val="tx1"/>
-              </a:solidFill>
-            </a:endParaRPr>
           </a:p>
         </p:txBody>
       </p:sp>
@@ -10956,18 +10748,13 @@
           <a:p>
             <a:pPr algn="ctr"/>
             <a:r>
-              <a:rPr lang="en-US" sz="2800" dirty="0" smtClean="0">
+              <a:rPr lang="en-US" sz="2800" dirty="0">
                 <a:solidFill>
                   <a:schemeClr val="tx1"/>
                 </a:solidFill>
               </a:rPr>
               <a:t>e</a:t>
             </a:r>
-            <a:endParaRPr lang="en-US" sz="2800" dirty="0">
-              <a:solidFill>
-                <a:schemeClr val="tx1"/>
-              </a:solidFill>
-            </a:endParaRPr>
           </a:p>
         </p:txBody>
       </p:sp>
@@ -11124,18 +10911,13 @@
           <a:p>
             <a:pPr algn="ctr"/>
             <a:r>
-              <a:rPr lang="en-US" sz="2800" dirty="0" smtClean="0">
+              <a:rPr lang="en-US" sz="2800" dirty="0">
                 <a:solidFill>
                   <a:schemeClr val="tx1"/>
                 </a:solidFill>
               </a:rPr>
               <a:t>1</a:t>
             </a:r>
-            <a:endParaRPr lang="en-US" sz="2800" dirty="0">
-              <a:solidFill>
-                <a:schemeClr val="tx1"/>
-              </a:solidFill>
-            </a:endParaRPr>
           </a:p>
         </p:txBody>
       </p:sp>
@@ -11182,18 +10964,13 @@
           <a:p>
             <a:pPr algn="ctr"/>
             <a:r>
-              <a:rPr lang="en-US" sz="2800" dirty="0" smtClean="0">
+              <a:rPr lang="en-US" sz="2800" dirty="0">
                 <a:solidFill>
                   <a:schemeClr val="tx1"/>
                 </a:solidFill>
               </a:rPr>
               <a:t>2</a:t>
             </a:r>
-            <a:endParaRPr lang="en-US" sz="2800" dirty="0">
-              <a:solidFill>
-                <a:schemeClr val="tx1"/>
-              </a:solidFill>
-            </a:endParaRPr>
           </a:p>
         </p:txBody>
       </p:sp>
@@ -11240,18 +11017,13 @@
           <a:p>
             <a:pPr algn="ctr"/>
             <a:r>
-              <a:rPr lang="en-US" sz="2800" dirty="0" smtClean="0">
+              <a:rPr lang="en-US" sz="2800" dirty="0">
                 <a:solidFill>
                   <a:schemeClr val="tx1"/>
                 </a:solidFill>
               </a:rPr>
               <a:t>3</a:t>
             </a:r>
-            <a:endParaRPr lang="en-US" sz="2800" dirty="0">
-              <a:solidFill>
-                <a:schemeClr val="tx1"/>
-              </a:solidFill>
-            </a:endParaRPr>
           </a:p>
         </p:txBody>
       </p:sp>
@@ -11707,18 +11479,13 @@
           <a:p>
             <a:pPr algn="ctr"/>
             <a:r>
-              <a:rPr lang="en-US" sz="2800" dirty="0" smtClean="0">
+              <a:rPr lang="en-US" sz="2800" dirty="0">
                 <a:solidFill>
                   <a:schemeClr val="tx1"/>
                 </a:solidFill>
               </a:rPr>
               <a:t>a</a:t>
             </a:r>
-            <a:endParaRPr lang="en-US" sz="2800" dirty="0">
-              <a:solidFill>
-                <a:schemeClr val="tx1"/>
-              </a:solidFill>
-            </a:endParaRPr>
           </a:p>
         </p:txBody>
       </p:sp>
@@ -11765,18 +11532,13 @@
           <a:p>
             <a:pPr algn="ctr"/>
             <a:r>
-              <a:rPr lang="en-US" sz="2800" dirty="0" smtClean="0">
+              <a:rPr lang="en-US" sz="2800" dirty="0">
                 <a:solidFill>
                   <a:schemeClr val="tx1"/>
                 </a:solidFill>
               </a:rPr>
               <a:t>b</a:t>
             </a:r>
-            <a:endParaRPr lang="en-US" sz="2800" dirty="0">
-              <a:solidFill>
-                <a:schemeClr val="tx1"/>
-              </a:solidFill>
-            </a:endParaRPr>
           </a:p>
         </p:txBody>
       </p:sp>
@@ -11823,18 +11585,13 @@
           <a:p>
             <a:pPr algn="ctr"/>
             <a:r>
-              <a:rPr lang="en-US" sz="2800" dirty="0" smtClean="0">
+              <a:rPr lang="en-US" sz="2800" dirty="0">
                 <a:solidFill>
                   <a:schemeClr val="tx1"/>
                 </a:solidFill>
               </a:rPr>
               <a:t>c</a:t>
             </a:r>
-            <a:endParaRPr lang="en-US" sz="2800" dirty="0">
-              <a:solidFill>
-                <a:schemeClr val="tx1"/>
-              </a:solidFill>
-            </a:endParaRPr>
           </a:p>
         </p:txBody>
       </p:sp>
@@ -11881,18 +11638,13 @@
           <a:p>
             <a:pPr algn="ctr"/>
             <a:r>
-              <a:rPr lang="en-US" sz="2800" dirty="0" smtClean="0">
+              <a:rPr lang="en-US" sz="2800" dirty="0">
                 <a:solidFill>
                   <a:schemeClr val="tx1"/>
                 </a:solidFill>
               </a:rPr>
               <a:t>d</a:t>
             </a:r>
-            <a:endParaRPr lang="en-US" sz="2800" dirty="0">
-              <a:solidFill>
-                <a:schemeClr val="tx1"/>
-              </a:solidFill>
-            </a:endParaRPr>
           </a:p>
         </p:txBody>
       </p:sp>
@@ -12173,18 +11925,13 @@
           <a:p>
             <a:pPr algn="ctr"/>
             <a:r>
-              <a:rPr lang="en-US" sz="2800" dirty="0" smtClean="0">
+              <a:rPr lang="en-US" sz="2800" dirty="0">
                 <a:solidFill>
                   <a:schemeClr val="tx1"/>
                 </a:solidFill>
               </a:rPr>
               <a:t>e</a:t>
             </a:r>
-            <a:endParaRPr lang="en-US" sz="2800" dirty="0">
-              <a:solidFill>
-                <a:schemeClr val="tx1"/>
-              </a:solidFill>
-            </a:endParaRPr>
           </a:p>
         </p:txBody>
       </p:sp>
@@ -12231,18 +11978,13 @@
           <a:p>
             <a:pPr algn="ctr"/>
             <a:r>
-              <a:rPr lang="en-US" sz="2800" dirty="0" smtClean="0">
+              <a:rPr lang="en-US" sz="2800" dirty="0">
                 <a:solidFill>
                   <a:schemeClr val="tx1"/>
                 </a:solidFill>
               </a:rPr>
               <a:t>f</a:t>
             </a:r>
-            <a:endParaRPr lang="en-US" sz="2800" dirty="0">
-              <a:solidFill>
-                <a:schemeClr val="tx1"/>
-              </a:solidFill>
-            </a:endParaRPr>
           </a:p>
         </p:txBody>
       </p:sp>
@@ -12328,18 +12070,13 @@
           <a:p>
             <a:pPr algn="ctr"/>
             <a:r>
-              <a:rPr lang="en-US" sz="2800" dirty="0" smtClean="0">
+              <a:rPr lang="en-US" sz="2800" dirty="0">
                 <a:solidFill>
                   <a:schemeClr val="tx1"/>
                 </a:solidFill>
               </a:rPr>
               <a:t>g</a:t>
             </a:r>
-            <a:endParaRPr lang="en-US" sz="2800" dirty="0">
-              <a:solidFill>
-                <a:schemeClr val="tx1"/>
-              </a:solidFill>
-            </a:endParaRPr>
           </a:p>
         </p:txBody>
       </p:sp>
@@ -12468,8 +12205,8 @@
         </p:nvSpPr>
         <p:spPr>
           <a:xfrm>
-            <a:off x="679385" y="1671831"/>
-            <a:ext cx="4415556" cy="3108544"/>
+            <a:off x="679384" y="1671831"/>
+            <a:ext cx="4679699" cy="3108544"/>
           </a:xfrm>
           <a:prstGeom prst="rect">
             <a:avLst/>
@@ -12483,7 +12220,7 @@
           <a:lstStyle/>
           <a:p>
             <a:r>
-              <a:rPr lang="en-US" sz="2800" b="1" dirty="0" smtClean="0">
+              <a:rPr lang="en-US" sz="2800" b="1" dirty="0">
                 <a:latin typeface="Courier New" panose="02070309020205020404" pitchFamily="49" charset="0"/>
                 <a:cs typeface="Courier New" panose="02070309020205020404" pitchFamily="49" charset="0"/>
               </a:rPr>
@@ -12492,7 +12229,7 @@
           </a:p>
           <a:p>
             <a:r>
-              <a:rPr lang="en-US" sz="2800" b="1" dirty="0" smtClean="0">
+              <a:rPr lang="en-US" sz="2800" b="1" dirty="0">
                 <a:latin typeface="Courier New" panose="02070309020205020404" pitchFamily="49" charset="0"/>
                 <a:cs typeface="Courier New" panose="02070309020205020404" pitchFamily="49" charset="0"/>
               </a:rPr>
@@ -12501,7 +12238,7 @@
           </a:p>
           <a:p>
             <a:r>
-              <a:rPr lang="en-US" sz="2800" b="1" dirty="0" smtClean="0">
+              <a:rPr lang="en-US" sz="2800" b="1" dirty="0">
                 <a:latin typeface="Courier New" panose="02070309020205020404" pitchFamily="49" charset="0"/>
                 <a:cs typeface="Courier New" panose="02070309020205020404" pitchFamily="49" charset="0"/>
               </a:rPr>
@@ -12510,7 +12247,7 @@
           </a:p>
           <a:p>
             <a:r>
-              <a:rPr lang="en-US" sz="2800" b="1" dirty="0" smtClean="0">
+              <a:rPr lang="en-US" sz="2800" b="1" dirty="0">
                 <a:latin typeface="Courier New" panose="02070309020205020404" pitchFamily="49" charset="0"/>
                 <a:cs typeface="Courier New" panose="02070309020205020404" pitchFamily="49" charset="0"/>
               </a:rPr>
@@ -12519,7 +12256,7 @@
           </a:p>
           <a:p>
             <a:r>
-              <a:rPr lang="en-US" sz="2800" b="1" dirty="0" smtClean="0">
+              <a:rPr lang="en-US" sz="2800" b="1" dirty="0">
                 <a:latin typeface="Courier New" panose="02070309020205020404" pitchFamily="49" charset="0"/>
                 <a:cs typeface="Courier New" panose="02070309020205020404" pitchFamily="49" charset="0"/>
               </a:rPr>
@@ -12528,7 +12265,7 @@
           </a:p>
           <a:p>
             <a:r>
-              <a:rPr lang="en-US" sz="2800" b="1" dirty="0" smtClean="0">
+              <a:rPr lang="en-US" sz="2800" b="1" dirty="0">
                 <a:latin typeface="Courier New" panose="02070309020205020404" pitchFamily="49" charset="0"/>
                 <a:cs typeface="Courier New" panose="02070309020205020404" pitchFamily="49" charset="0"/>
               </a:rPr>
@@ -12537,16 +12274,12 @@
           </a:p>
           <a:p>
             <a:r>
-              <a:rPr lang="en-US" sz="2800" b="1" dirty="0" smtClean="0">
+              <a:rPr lang="en-US" sz="2800" b="1" dirty="0">
                 <a:latin typeface="Courier New" panose="02070309020205020404" pitchFamily="49" charset="0"/>
                 <a:cs typeface="Courier New" panose="02070309020205020404" pitchFamily="49" charset="0"/>
               </a:rPr>
               <a:t>g: {(e,-1), (f,6)}</a:t>
             </a:r>
-            <a:endParaRPr lang="en-US" sz="2800" b="1" dirty="0">
-              <a:latin typeface="Courier New" panose="02070309020205020404" pitchFamily="49" charset="0"/>
-              <a:cs typeface="Courier New" panose="02070309020205020404" pitchFamily="49" charset="0"/>
-            </a:endParaRPr>
           </a:p>
         </p:txBody>
       </p:sp>
@@ -12573,10 +12306,9 @@
           <a:lstStyle/>
           <a:p>
             <a:r>
-              <a:rPr lang="en-US" dirty="0" smtClean="0"/>
+              <a:rPr lang="en-US" dirty="0"/>
               <a:t>0</a:t>
             </a:r>
-            <a:endParaRPr lang="en-US" dirty="0"/>
           </a:p>
         </p:txBody>
       </p:sp>
@@ -12690,10 +12422,9 @@
           <a:lstStyle/>
           <a:p>
             <a:r>
-              <a:rPr lang="en-US" dirty="0" smtClean="0"/>
+              <a:rPr lang="en-US" dirty="0"/>
               <a:t>-3</a:t>
             </a:r>
-            <a:endParaRPr lang="en-US" dirty="0"/>
           </a:p>
         </p:txBody>
       </p:sp>
@@ -12807,10 +12538,9 @@
           <a:lstStyle/>
           <a:p>
             <a:r>
-              <a:rPr lang="en-US" dirty="0" smtClean="0"/>
+              <a:rPr lang="en-US" dirty="0"/>
               <a:t>-1</a:t>
             </a:r>
-            <a:endParaRPr lang="en-US" dirty="0"/>
           </a:p>
         </p:txBody>
       </p:sp>
@@ -12837,10 +12567,9 @@
           <a:lstStyle/>
           <a:p>
             <a:r>
-              <a:rPr lang="en-US" dirty="0" smtClean="0"/>
+              <a:rPr lang="en-US" dirty="0"/>
               <a:t>10</a:t>
             </a:r>
-            <a:endParaRPr lang="en-US" dirty="0"/>
           </a:p>
         </p:txBody>
       </p:sp>
